--- a/Presentation/Sudoku Solver PPT.pptx
+++ b/Presentation/Sudoku Solver PPT.pptx
@@ -20,25 +20,30 @@
     <p:sldId id="268" r:id="rId18"/>
     <p:sldId id="269" r:id="rId19"/>
     <p:sldId id="270" r:id="rId20"/>
+    <p:sldId id="271" r:id="rId21"/>
+    <p:sldId id="272" r:id="rId22"/>
+    <p:sldId id="273" r:id="rId23"/>
+    <p:sldId id="274" r:id="rId24"/>
+    <p:sldId id="275" r:id="rId25"/>
   </p:sldIdLst>
   <p:sldSz cx="18288000" cy="10287000"/>
   <p:notesSz cx="6858000" cy="9144000"/>
   <p:embeddedFontLst>
     <p:embeddedFont>
       <p:font typeface="Cooper Hewitt Bold" charset="1" panose="00000000000000000000"/>
-      <p:regular r:id="rId21"/>
+      <p:regular r:id="rId26"/>
     </p:embeddedFont>
     <p:embeddedFont>
       <p:font typeface="Open Sauce" charset="1" panose="00000500000000000000"/>
-      <p:regular r:id="rId22"/>
+      <p:regular r:id="rId27"/>
     </p:embeddedFont>
     <p:embeddedFont>
       <p:font typeface="Canva Sans Bold" charset="1" panose="020B0803030501040103"/>
-      <p:regular r:id="rId23"/>
+      <p:regular r:id="rId28"/>
     </p:embeddedFont>
     <p:embeddedFont>
       <p:font typeface="Josefin Sans Semi-Bold" charset="1" panose="00000700000000000000"/>
-      <p:regular r:id="rId24"/>
+      <p:regular r:id="rId29"/>
     </p:embeddedFont>
   </p:embeddedFontLst>
   <p:defaultTextStyle>
@@ -3760,6 +3765,212 @@
         </p:nvSpPr>
         <p:spPr>
           <a:xfrm flipH="false" flipV="false" rot="0">
+            <a:off x="7455162" y="2786127"/>
+            <a:ext cx="9804138" cy="5389837"/>
+          </a:xfrm>
+          <a:custGeom>
+            <a:avLst/>
+            <a:gdLst/>
+            <a:ahLst/>
+            <a:cxnLst/>
+            <a:rect r="r" b="b" t="t" l="l"/>
+            <a:pathLst>
+              <a:path h="5389837" w="9804138">
+                <a:moveTo>
+                  <a:pt x="0" y="0"/>
+                </a:moveTo>
+                <a:lnTo>
+                  <a:pt x="9804138" y="0"/>
+                </a:lnTo>
+                <a:lnTo>
+                  <a:pt x="9804138" y="5389837"/>
+                </a:lnTo>
+                <a:lnTo>
+                  <a:pt x="0" y="5389837"/>
+                </a:lnTo>
+                <a:lnTo>
+                  <a:pt x="0" y="0"/>
+                </a:lnTo>
+                <a:close/>
+              </a:path>
+            </a:pathLst>
+          </a:custGeom>
+          <a:blipFill>
+            <a:blip r:embed="rId2"/>
+            <a:stretch>
+              <a:fillRect l="0" t="0" r="0" b="0"/>
+            </a:stretch>
+          </a:blipFill>
+        </p:spPr>
+      </p:sp>
+      <p:sp>
+        <p:nvSpPr>
+          <p:cNvPr name="Freeform 3" id="3"/>
+          <p:cNvSpPr/>
+          <p:nvPr/>
+        </p:nvSpPr>
+        <p:spPr>
+          <a:xfrm flipH="false" flipV="false" rot="0">
+            <a:off x="762799" y="3514801"/>
+            <a:ext cx="5671611" cy="3932490"/>
+          </a:xfrm>
+          <a:custGeom>
+            <a:avLst/>
+            <a:gdLst/>
+            <a:ahLst/>
+            <a:cxnLst/>
+            <a:rect r="r" b="b" t="t" l="l"/>
+            <a:pathLst>
+              <a:path h="3932490" w="5671611">
+                <a:moveTo>
+                  <a:pt x="0" y="0"/>
+                </a:moveTo>
+                <a:lnTo>
+                  <a:pt x="5671611" y="0"/>
+                </a:lnTo>
+                <a:lnTo>
+                  <a:pt x="5671611" y="3932490"/>
+                </a:lnTo>
+                <a:lnTo>
+                  <a:pt x="0" y="3932490"/>
+                </a:lnTo>
+                <a:lnTo>
+                  <a:pt x="0" y="0"/>
+                </a:lnTo>
+                <a:close/>
+              </a:path>
+            </a:pathLst>
+          </a:custGeom>
+          <a:blipFill>
+            <a:blip r:embed="rId3"/>
+            <a:stretch>
+              <a:fillRect l="0" t="0" r="0" b="0"/>
+            </a:stretch>
+          </a:blipFill>
+        </p:spPr>
+      </p:sp>
+      <p:sp>
+        <p:nvSpPr>
+          <p:cNvPr name="TextBox 4" id="4"/>
+          <p:cNvSpPr txBox="true"/>
+          <p:nvPr/>
+        </p:nvSpPr>
+        <p:spPr>
+          <a:xfrm rot="0">
+            <a:off x="297441" y="491334"/>
+            <a:ext cx="17990559" cy="1298576"/>
+          </a:xfrm>
+          <a:prstGeom prst="rect">
+            <a:avLst/>
+          </a:prstGeom>
+        </p:spPr>
+        <p:txBody>
+          <a:bodyPr anchor="t" rtlCol="false" tIns="0" lIns="0" bIns="0" rIns="0">
+            <a:spAutoFit/>
+          </a:bodyPr>
+          <a:lstStyle/>
+          <a:p>
+            <a:pPr algn="ctr">
+              <a:lnSpc>
+                <a:spcPts val="8000"/>
+              </a:lnSpc>
+            </a:pPr>
+            <a:r>
+              <a:rPr lang="en-US" b="true" sz="8000">
+                <a:solidFill>
+                  <a:srgbClr val="000000"/>
+                </a:solidFill>
+                <a:latin typeface="Cooper Hewitt Bold"/>
+                <a:ea typeface="Cooper Hewitt Bold"/>
+                <a:cs typeface="Cooper Hewitt Bold"/>
+                <a:sym typeface="Cooper Hewitt Bold"/>
+              </a:rPr>
+              <a:t>BINARY MATRIX REPRESENTATION</a:t>
+            </a:r>
+          </a:p>
+        </p:txBody>
+      </p:sp>
+      <p:sp>
+        <p:nvSpPr>
+          <p:cNvPr name="TextBox 5" id="5"/>
+          <p:cNvSpPr txBox="true"/>
+          <p:nvPr/>
+        </p:nvSpPr>
+        <p:spPr>
+          <a:xfrm rot="0">
+            <a:off x="15944767" y="1922791"/>
+            <a:ext cx="2222687" cy="1334832"/>
+          </a:xfrm>
+          <a:prstGeom prst="rect">
+            <a:avLst/>
+          </a:prstGeom>
+        </p:spPr>
+        <p:txBody>
+          <a:bodyPr anchor="t" rtlCol="false" tIns="0" lIns="0" bIns="0" rIns="0">
+            <a:spAutoFit/>
+          </a:bodyPr>
+          <a:lstStyle/>
+          <a:p>
+            <a:pPr algn="ctr">
+              <a:lnSpc>
+                <a:spcPts val="10995"/>
+              </a:lnSpc>
+            </a:pPr>
+            <a:r>
+              <a:rPr lang="en-US" sz="7853" b="true">
+                <a:solidFill>
+                  <a:srgbClr val="000000"/>
+                </a:solidFill>
+                <a:latin typeface="Canva Sans Bold"/>
+                <a:ea typeface="Canva Sans Bold"/>
+                <a:cs typeface="Canva Sans Bold"/>
+                <a:sym typeface="Canva Sans Bold"/>
+              </a:rPr>
+              <a:t>*</a:t>
+            </a:r>
+          </a:p>
+        </p:txBody>
+      </p:sp>
+    </p:spTree>
+  </p:cSld>
+  <p:clrMapOvr>
+    <a:masterClrMapping/>
+  </p:clrMapOvr>
+</p:sld>
+</file>
+
+<file path=ppt/slides/slide11.xml><?xml version="1.0" encoding="utf-8"?>
+<p:sld xmlns:p="http://schemas.openxmlformats.org/presentationml/2006/main" xmlns:a="http://schemas.openxmlformats.org/drawingml/2006/main" xmlns:r="http://schemas.openxmlformats.org/officeDocument/2006/relationships">
+  <p:cSld>
+    <p:bg>
+      <p:bgPr>
+        <a:solidFill>
+          <a:srgbClr val="FFF4EA"/>
+        </a:solidFill>
+      </p:bgPr>
+    </p:bg>
+    <p:spTree>
+      <p:nvGrpSpPr>
+        <p:cNvPr id="1" name=""/>
+        <p:cNvGrpSpPr/>
+        <p:nvPr/>
+      </p:nvGrpSpPr>
+      <p:grpSpPr>
+        <a:xfrm>
+          <a:off x="0" y="0"/>
+          <a:ext cx="0" cy="0"/>
+          <a:chOff x="0" y="0"/>
+          <a:chExt cx="0" cy="0"/>
+        </a:xfrm>
+      </p:grpSpPr>
+      <p:sp>
+        <p:nvSpPr>
+          <p:cNvPr name="Freeform 2" id="2"/>
+          <p:cNvSpPr/>
+          <p:nvPr/>
+        </p:nvSpPr>
+        <p:spPr>
+          <a:xfrm flipH="false" flipV="false" rot="0">
             <a:off x="1028700" y="2266379"/>
             <a:ext cx="12205714" cy="6710107"/>
           </a:xfrm>
@@ -3839,6 +4050,47 @@
           </a:p>
         </p:txBody>
       </p:sp>
+      <p:sp>
+        <p:nvSpPr>
+          <p:cNvPr name="TextBox 4" id="4"/>
+          <p:cNvSpPr txBox="true"/>
+          <p:nvPr/>
+        </p:nvSpPr>
+        <p:spPr>
+          <a:xfrm rot="0">
+            <a:off x="11878144" y="1408435"/>
+            <a:ext cx="2222687" cy="1334832"/>
+          </a:xfrm>
+          <a:prstGeom prst="rect">
+            <a:avLst/>
+          </a:prstGeom>
+        </p:spPr>
+        <p:txBody>
+          <a:bodyPr anchor="t" rtlCol="false" tIns="0" lIns="0" bIns="0" rIns="0">
+            <a:spAutoFit/>
+          </a:bodyPr>
+          <a:lstStyle/>
+          <a:p>
+            <a:pPr algn="ctr">
+              <a:lnSpc>
+                <a:spcPts val="10995"/>
+              </a:lnSpc>
+            </a:pPr>
+            <a:r>
+              <a:rPr lang="en-US" sz="7853" b="true">
+                <a:solidFill>
+                  <a:srgbClr val="000000"/>
+                </a:solidFill>
+                <a:latin typeface="Canva Sans Bold"/>
+                <a:ea typeface="Canva Sans Bold"/>
+                <a:cs typeface="Canva Sans Bold"/>
+                <a:sym typeface="Canva Sans Bold"/>
+              </a:rPr>
+              <a:t>*</a:t>
+            </a:r>
+          </a:p>
+        </p:txBody>
+      </p:sp>
     </p:spTree>
   </p:cSld>
   <p:clrMapOvr>
@@ -3847,7 +4099,7 @@
 </p:sld>
 </file>
 
-<file path=ppt/slides/slide11.xml><?xml version="1.0" encoding="utf-8"?>
+<file path=ppt/slides/slide12.xml><?xml version="1.0" encoding="utf-8"?>
 <p:sld xmlns:p="http://schemas.openxmlformats.org/presentationml/2006/main" xmlns:a="http://schemas.openxmlformats.org/drawingml/2006/main" xmlns:r="http://schemas.openxmlformats.org/officeDocument/2006/relationships">
   <p:cSld>
     <p:bg>
@@ -3958,6 +4210,47 @@
           </a:p>
         </p:txBody>
       </p:sp>
+      <p:sp>
+        <p:nvSpPr>
+          <p:cNvPr name="TextBox 4" id="4"/>
+          <p:cNvSpPr txBox="true"/>
+          <p:nvPr/>
+        </p:nvSpPr>
+        <p:spPr>
+          <a:xfrm rot="0">
+            <a:off x="15960840" y="1051056"/>
+            <a:ext cx="2222687" cy="1334832"/>
+          </a:xfrm>
+          <a:prstGeom prst="rect">
+            <a:avLst/>
+          </a:prstGeom>
+        </p:spPr>
+        <p:txBody>
+          <a:bodyPr anchor="t" rtlCol="false" tIns="0" lIns="0" bIns="0" rIns="0">
+            <a:spAutoFit/>
+          </a:bodyPr>
+          <a:lstStyle/>
+          <a:p>
+            <a:pPr algn="ctr">
+              <a:lnSpc>
+                <a:spcPts val="10995"/>
+              </a:lnSpc>
+            </a:pPr>
+            <a:r>
+              <a:rPr lang="en-US" sz="7853" b="true">
+                <a:solidFill>
+                  <a:srgbClr val="000000"/>
+                </a:solidFill>
+                <a:latin typeface="Canva Sans Bold"/>
+                <a:ea typeface="Canva Sans Bold"/>
+                <a:cs typeface="Canva Sans Bold"/>
+                <a:sym typeface="Canva Sans Bold"/>
+              </a:rPr>
+              <a:t>*</a:t>
+            </a:r>
+          </a:p>
+        </p:txBody>
+      </p:sp>
     </p:spTree>
   </p:cSld>
   <p:clrMapOvr>
@@ -3966,7 +4259,7 @@
 </p:sld>
 </file>
 
-<file path=ppt/slides/slide12.xml><?xml version="1.0" encoding="utf-8"?>
+<file path=ppt/slides/slide13.xml><?xml version="1.0" encoding="utf-8"?>
 <p:sld xmlns:p="http://schemas.openxmlformats.org/presentationml/2006/main" xmlns:a="http://schemas.openxmlformats.org/drawingml/2006/main">
   <p:cSld>
     <p:bg>
@@ -3999,7 +4292,7 @@
         <p:spPr>
           <a:xfrm rot="0">
             <a:off x="2055782" y="815551"/>
-            <a:ext cx="14176437" cy="1298576"/>
+            <a:ext cx="14176437" cy="2308226"/>
           </a:xfrm>
           <a:prstGeom prst="rect">
             <a:avLst/>
@@ -4026,7 +4319,26 @@
                 <a:cs typeface="Cooper Hewitt Bold"/>
                 <a:sym typeface="Cooper Hewitt Bold"/>
               </a:rPr>
-              <a:t>EXACT COVER</a:t>
+              <a:t>CONVERTING BETWEEN</a:t>
+            </a:r>
+          </a:p>
+          <a:p>
+            <a:pPr algn="ctr">
+              <a:lnSpc>
+                <a:spcPts val="8000"/>
+              </a:lnSpc>
+            </a:pPr>
+            <a:r>
+              <a:rPr lang="en-US" b="true" sz="8000">
+                <a:solidFill>
+                  <a:srgbClr val="000000"/>
+                </a:solidFill>
+                <a:latin typeface="Cooper Hewitt Bold"/>
+                <a:ea typeface="Cooper Hewitt Bold"/>
+                <a:cs typeface="Cooper Hewitt Bold"/>
+                <a:sym typeface="Cooper Hewitt Bold"/>
+              </a:rPr>
+              <a:t>THE TWO</a:t>
             </a:r>
           </a:p>
         </p:txBody>
@@ -5166,7 +5478,241 @@
 </p:sld>
 </file>
 
-<file path=ppt/slides/slide13.xml><?xml version="1.0" encoding="utf-8"?>
+<file path=ppt/slides/slide14.xml><?xml version="1.0" encoding="utf-8"?>
+<p:sld xmlns:p="http://schemas.openxmlformats.org/presentationml/2006/main" xmlns:a="http://schemas.openxmlformats.org/drawingml/2006/main" xmlns:r="http://schemas.openxmlformats.org/officeDocument/2006/relationships">
+  <p:cSld>
+    <p:bg>
+      <p:bgPr>
+        <a:solidFill>
+          <a:srgbClr val="FFF4EA"/>
+        </a:solidFill>
+      </p:bgPr>
+    </p:bg>
+    <p:spTree>
+      <p:nvGrpSpPr>
+        <p:cNvPr id="1" name=""/>
+        <p:cNvGrpSpPr/>
+        <p:nvPr/>
+      </p:nvGrpSpPr>
+      <p:grpSpPr>
+        <a:xfrm>
+          <a:off x="0" y="0"/>
+          <a:ext cx="0" cy="0"/>
+          <a:chOff x="0" y="0"/>
+          <a:chExt cx="0" cy="0"/>
+        </a:xfrm>
+      </p:grpSpPr>
+      <p:sp>
+        <p:nvSpPr>
+          <p:cNvPr name="Freeform 2" id="2"/>
+          <p:cNvSpPr/>
+          <p:nvPr/>
+        </p:nvSpPr>
+        <p:spPr>
+          <a:xfrm flipH="false" flipV="false" rot="0">
+            <a:off x="2280390" y="141893"/>
+            <a:ext cx="13941763" cy="10003215"/>
+          </a:xfrm>
+          <a:custGeom>
+            <a:avLst/>
+            <a:gdLst/>
+            <a:ahLst/>
+            <a:cxnLst/>
+            <a:rect r="r" b="b" t="t" l="l"/>
+            <a:pathLst>
+              <a:path h="10003215" w="13941763">
+                <a:moveTo>
+                  <a:pt x="0" y="0"/>
+                </a:moveTo>
+                <a:lnTo>
+                  <a:pt x="13941762" y="0"/>
+                </a:lnTo>
+                <a:lnTo>
+                  <a:pt x="13941762" y="10003214"/>
+                </a:lnTo>
+                <a:lnTo>
+                  <a:pt x="0" y="10003214"/>
+                </a:lnTo>
+                <a:lnTo>
+                  <a:pt x="0" y="0"/>
+                </a:lnTo>
+                <a:close/>
+              </a:path>
+            </a:pathLst>
+          </a:custGeom>
+          <a:blipFill>
+            <a:blip r:embed="rId2"/>
+            <a:stretch>
+              <a:fillRect l="0" t="0" r="0" b="0"/>
+            </a:stretch>
+          </a:blipFill>
+        </p:spPr>
+      </p:sp>
+    </p:spTree>
+  </p:cSld>
+  <p:clrMapOvr>
+    <a:masterClrMapping/>
+  </p:clrMapOvr>
+</p:sld>
+</file>
+
+<file path=ppt/slides/slide15.xml><?xml version="1.0" encoding="utf-8"?>
+<p:sld xmlns:p="http://schemas.openxmlformats.org/presentationml/2006/main" xmlns:a="http://schemas.openxmlformats.org/drawingml/2006/main" xmlns:r="http://schemas.openxmlformats.org/officeDocument/2006/relationships">
+  <p:cSld>
+    <p:bg>
+      <p:bgPr>
+        <a:solidFill>
+          <a:srgbClr val="FFF4EA"/>
+        </a:solidFill>
+      </p:bgPr>
+    </p:bg>
+    <p:spTree>
+      <p:nvGrpSpPr>
+        <p:cNvPr id="1" name=""/>
+        <p:cNvGrpSpPr/>
+        <p:nvPr/>
+      </p:nvGrpSpPr>
+      <p:grpSpPr>
+        <a:xfrm>
+          <a:off x="0" y="0"/>
+          <a:ext cx="0" cy="0"/>
+          <a:chOff x="0" y="0"/>
+          <a:chExt cx="0" cy="0"/>
+        </a:xfrm>
+      </p:grpSpPr>
+      <p:sp>
+        <p:nvSpPr>
+          <p:cNvPr name="Freeform 2" id="2"/>
+          <p:cNvSpPr/>
+          <p:nvPr/>
+        </p:nvSpPr>
+        <p:spPr>
+          <a:xfrm flipH="false" flipV="false" rot="0">
+            <a:off x="1275521" y="3333750"/>
+            <a:ext cx="15736958" cy="3619500"/>
+          </a:xfrm>
+          <a:custGeom>
+            <a:avLst/>
+            <a:gdLst/>
+            <a:ahLst/>
+            <a:cxnLst/>
+            <a:rect r="r" b="b" t="t" l="l"/>
+            <a:pathLst>
+              <a:path h="3619500" w="15736958">
+                <a:moveTo>
+                  <a:pt x="0" y="0"/>
+                </a:moveTo>
+                <a:lnTo>
+                  <a:pt x="15736958" y="0"/>
+                </a:lnTo>
+                <a:lnTo>
+                  <a:pt x="15736958" y="3619500"/>
+                </a:lnTo>
+                <a:lnTo>
+                  <a:pt x="0" y="3619500"/>
+                </a:lnTo>
+                <a:lnTo>
+                  <a:pt x="0" y="0"/>
+                </a:lnTo>
+                <a:close/>
+              </a:path>
+            </a:pathLst>
+          </a:custGeom>
+          <a:blipFill>
+            <a:blip r:embed="rId2"/>
+            <a:stretch>
+              <a:fillRect l="0" t="0" r="0" b="0"/>
+            </a:stretch>
+          </a:blipFill>
+        </p:spPr>
+      </p:sp>
+    </p:spTree>
+  </p:cSld>
+  <p:clrMapOvr>
+    <a:masterClrMapping/>
+  </p:clrMapOvr>
+</p:sld>
+</file>
+
+<file path=ppt/slides/slide16.xml><?xml version="1.0" encoding="utf-8"?>
+<p:sld xmlns:p="http://schemas.openxmlformats.org/presentationml/2006/main" xmlns:a="http://schemas.openxmlformats.org/drawingml/2006/main" xmlns:r="http://schemas.openxmlformats.org/officeDocument/2006/relationships">
+  <p:cSld>
+    <p:bg>
+      <p:bgPr>
+        <a:solidFill>
+          <a:srgbClr val="FFF4EA"/>
+        </a:solidFill>
+      </p:bgPr>
+    </p:bg>
+    <p:spTree>
+      <p:nvGrpSpPr>
+        <p:cNvPr id="1" name=""/>
+        <p:cNvGrpSpPr/>
+        <p:nvPr/>
+      </p:nvGrpSpPr>
+      <p:grpSpPr>
+        <a:xfrm>
+          <a:off x="0" y="0"/>
+          <a:ext cx="0" cy="0"/>
+          <a:chOff x="0" y="0"/>
+          <a:chExt cx="0" cy="0"/>
+        </a:xfrm>
+      </p:grpSpPr>
+      <p:sp>
+        <p:nvSpPr>
+          <p:cNvPr name="Freeform 2" id="2"/>
+          <p:cNvSpPr/>
+          <p:nvPr/>
+        </p:nvSpPr>
+        <p:spPr>
+          <a:xfrm flipH="false" flipV="false" rot="0">
+            <a:off x="747092" y="3149234"/>
+            <a:ext cx="16793816" cy="3988531"/>
+          </a:xfrm>
+          <a:custGeom>
+            <a:avLst/>
+            <a:gdLst/>
+            <a:ahLst/>
+            <a:cxnLst/>
+            <a:rect r="r" b="b" t="t" l="l"/>
+            <a:pathLst>
+              <a:path h="3988531" w="16793816">
+                <a:moveTo>
+                  <a:pt x="0" y="0"/>
+                </a:moveTo>
+                <a:lnTo>
+                  <a:pt x="16793816" y="0"/>
+                </a:lnTo>
+                <a:lnTo>
+                  <a:pt x="16793816" y="3988532"/>
+                </a:lnTo>
+                <a:lnTo>
+                  <a:pt x="0" y="3988532"/>
+                </a:lnTo>
+                <a:lnTo>
+                  <a:pt x="0" y="0"/>
+                </a:lnTo>
+                <a:close/>
+              </a:path>
+            </a:pathLst>
+          </a:custGeom>
+          <a:blipFill>
+            <a:blip r:embed="rId2"/>
+            <a:stretch>
+              <a:fillRect l="0" t="0" r="0" b="0"/>
+            </a:stretch>
+          </a:blipFill>
+        </p:spPr>
+      </p:sp>
+    </p:spTree>
+  </p:cSld>
+  <p:clrMapOvr>
+    <a:masterClrMapping/>
+  </p:clrMapOvr>
+</p:sld>
+</file>
+
+<file path=ppt/slides/slide17.xml><?xml version="1.0" encoding="utf-8"?>
 <p:sld xmlns:p="http://schemas.openxmlformats.org/presentationml/2006/main" xmlns:a="http://schemas.openxmlformats.org/drawingml/2006/main" xmlns:r="http://schemas.openxmlformats.org/officeDocument/2006/relationships">
   <p:cSld>
     <p:bg>
@@ -5364,6 +5910,71 @@
           </a:p>
         </p:txBody>
       </p:sp>
+      <p:sp>
+        <p:nvSpPr>
+          <p:cNvPr name="AutoShape 6" id="6"/>
+          <p:cNvSpPr/>
+          <p:nvPr/>
+        </p:nvSpPr>
+        <p:spPr>
+          <a:xfrm>
+            <a:off x="2778851" y="3237222"/>
+            <a:ext cx="0" cy="3036524"/>
+          </a:xfrm>
+          <a:prstGeom prst="line">
+            <a:avLst/>
+          </a:prstGeom>
+          <a:ln cap="flat" w="38100">
+            <a:solidFill>
+              <a:srgbClr val="000000"/>
+            </a:solidFill>
+            <a:prstDash val="solid"/>
+            <a:headEnd type="none" len="sm" w="sm"/>
+            <a:tailEnd type="none" len="sm" w="sm"/>
+          </a:ln>
+        </p:spPr>
+      </p:sp>
+      <p:sp>
+        <p:nvSpPr>
+          <p:cNvPr name="TextBox 7" id="7"/>
+          <p:cNvSpPr txBox="true"/>
+          <p:nvPr/>
+        </p:nvSpPr>
+        <p:spPr>
+          <a:xfrm rot="0">
+            <a:off x="15960840" y="2441148"/>
+            <a:ext cx="2222687" cy="1334832"/>
+          </a:xfrm>
+          <a:prstGeom prst="rect">
+            <a:avLst/>
+          </a:prstGeom>
+        </p:spPr>
+        <p:txBody>
+          <a:bodyPr anchor="t" rtlCol="false" tIns="0" lIns="0" bIns="0" rIns="0">
+            <a:spAutoFit/>
+          </a:bodyPr>
+          <a:lstStyle/>
+          <a:p>
+            <a:pPr algn="ctr">
+              <a:lnSpc>
+                <a:spcPts val="10995"/>
+              </a:lnSpc>
+            </a:pPr>
+            <a:r>
+              <a:rPr lang="en-US" sz="7853" b="true">
+                <a:solidFill>
+                  <a:srgbClr val="000000"/>
+                </a:solidFill>
+                <a:latin typeface="Canva Sans Bold"/>
+                <a:ea typeface="Canva Sans Bold"/>
+                <a:cs typeface="Canva Sans Bold"/>
+                <a:sym typeface="Canva Sans Bold"/>
+              </a:rPr>
+              <a:t>*</a:t>
+            </a:r>
+          </a:p>
+        </p:txBody>
+      </p:sp>
     </p:spTree>
   </p:cSld>
   <p:clrMapOvr>
@@ -5372,7 +5983,7 @@
 </p:sld>
 </file>
 
-<file path=ppt/slides/slide14.xml><?xml version="1.0" encoding="utf-8"?>
+<file path=ppt/slides/slide18.xml><?xml version="1.0" encoding="utf-8"?>
 <p:sld xmlns:p="http://schemas.openxmlformats.org/presentationml/2006/main" xmlns:a="http://schemas.openxmlformats.org/drawingml/2006/main" xmlns:r="http://schemas.openxmlformats.org/officeDocument/2006/relationships">
   <p:cSld>
     <p:bg>
@@ -5491,7 +6102,85 @@
 </p:sld>
 </file>
 
-<file path=ppt/slides/slide15.xml><?xml version="1.0" encoding="utf-8"?>
+<file path=ppt/slides/slide19.xml><?xml version="1.0" encoding="utf-8"?>
+<p:sld xmlns:p="http://schemas.openxmlformats.org/presentationml/2006/main" xmlns:a="http://schemas.openxmlformats.org/drawingml/2006/main" xmlns:r="http://schemas.openxmlformats.org/officeDocument/2006/relationships">
+  <p:cSld>
+    <p:bg>
+      <p:bgPr>
+        <a:solidFill>
+          <a:srgbClr val="FFF4EA"/>
+        </a:solidFill>
+      </p:bgPr>
+    </p:bg>
+    <p:spTree>
+      <p:nvGrpSpPr>
+        <p:cNvPr id="1" name=""/>
+        <p:cNvGrpSpPr/>
+        <p:nvPr/>
+      </p:nvGrpSpPr>
+      <p:grpSpPr>
+        <a:xfrm>
+          <a:off x="0" y="0"/>
+          <a:ext cx="0" cy="0"/>
+          <a:chOff x="0" y="0"/>
+          <a:chExt cx="0" cy="0"/>
+        </a:xfrm>
+      </p:grpSpPr>
+      <p:sp>
+        <p:nvSpPr>
+          <p:cNvPr name="Freeform 2" id="2"/>
+          <p:cNvSpPr/>
+          <p:nvPr/>
+        </p:nvSpPr>
+        <p:spPr>
+          <a:xfrm flipH="false" flipV="false" rot="0">
+            <a:off x="1734029" y="0"/>
+            <a:ext cx="15044973" cy="10287000"/>
+          </a:xfrm>
+          <a:custGeom>
+            <a:avLst/>
+            <a:gdLst/>
+            <a:ahLst/>
+            <a:cxnLst/>
+            <a:rect r="r" b="b" t="t" l="l"/>
+            <a:pathLst>
+              <a:path h="10287000" w="15044973">
+                <a:moveTo>
+                  <a:pt x="0" y="0"/>
+                </a:moveTo>
+                <a:lnTo>
+                  <a:pt x="15044973" y="0"/>
+                </a:lnTo>
+                <a:lnTo>
+                  <a:pt x="15044973" y="10287000"/>
+                </a:lnTo>
+                <a:lnTo>
+                  <a:pt x="0" y="10287000"/>
+                </a:lnTo>
+                <a:lnTo>
+                  <a:pt x="0" y="0"/>
+                </a:lnTo>
+                <a:close/>
+              </a:path>
+            </a:pathLst>
+          </a:custGeom>
+          <a:blipFill>
+            <a:blip r:embed="rId2"/>
+            <a:stretch>
+              <a:fillRect l="0" t="0" r="0" b="0"/>
+            </a:stretch>
+          </a:blipFill>
+        </p:spPr>
+      </p:sp>
+    </p:spTree>
+  </p:cSld>
+  <p:clrMapOvr>
+    <a:masterClrMapping/>
+  </p:clrMapOvr>
+</p:sld>
+</file>
+
+<file path=ppt/slides/slide2.xml><?xml version="1.0" encoding="utf-8"?>
 <p:sld xmlns:p="http://schemas.openxmlformats.org/presentationml/2006/main" xmlns:a="http://schemas.openxmlformats.org/drawingml/2006/main">
   <p:cSld>
     <p:bg>
@@ -5523,6 +6212,165 @@
         </p:nvSpPr>
         <p:spPr>
           <a:xfrm rot="0">
+            <a:off x="3946150" y="491334"/>
+            <a:ext cx="10717173" cy="1298576"/>
+          </a:xfrm>
+          <a:prstGeom prst="rect">
+            <a:avLst/>
+          </a:prstGeom>
+        </p:spPr>
+        <p:txBody>
+          <a:bodyPr anchor="t" rtlCol="false" tIns="0" lIns="0" bIns="0" rIns="0">
+            <a:spAutoFit/>
+          </a:bodyPr>
+          <a:lstStyle/>
+          <a:p>
+            <a:pPr algn="ctr">
+              <a:lnSpc>
+                <a:spcPts val="8000"/>
+              </a:lnSpc>
+            </a:pPr>
+            <a:r>
+              <a:rPr lang="en-US" b="true" sz="8000">
+                <a:solidFill>
+                  <a:srgbClr val="000000"/>
+                </a:solidFill>
+                <a:latin typeface="Cooper Hewitt Bold"/>
+                <a:ea typeface="Cooper Hewitt Bold"/>
+                <a:cs typeface="Cooper Hewitt Bold"/>
+                <a:sym typeface="Cooper Hewitt Bold"/>
+              </a:rPr>
+              <a:t>IMAGE CREDITS</a:t>
+            </a:r>
+          </a:p>
+        </p:txBody>
+      </p:sp>
+      <p:sp>
+        <p:nvSpPr>
+          <p:cNvPr name="TextBox 3" id="3"/>
+          <p:cNvSpPr txBox="true"/>
+          <p:nvPr/>
+        </p:nvSpPr>
+        <p:spPr>
+          <a:xfrm rot="0">
+            <a:off x="1424459" y="4304330"/>
+            <a:ext cx="15505326" cy="2794432"/>
+          </a:xfrm>
+          <a:prstGeom prst="rect">
+            <a:avLst/>
+          </a:prstGeom>
+        </p:spPr>
+        <p:txBody>
+          <a:bodyPr anchor="t" rtlCol="false" tIns="0" lIns="0" bIns="0" rIns="0">
+            <a:spAutoFit/>
+          </a:bodyPr>
+          <a:lstStyle/>
+          <a:p>
+            <a:pPr algn="ctr">
+              <a:lnSpc>
+                <a:spcPts val="5576"/>
+              </a:lnSpc>
+            </a:pPr>
+            <a:r>
+              <a:rPr lang="en-US" sz="3982" b="true">
+                <a:solidFill>
+                  <a:srgbClr val="000000"/>
+                </a:solidFill>
+                <a:latin typeface="Canva Sans Bold"/>
+                <a:ea typeface="Canva Sans Bold"/>
+                <a:cs typeface="Canva Sans Bold"/>
+                <a:sym typeface="Canva Sans Bold"/>
+              </a:rPr>
+              <a:t>All images with a ‘*’ on the top right were taken from </a:t>
+            </a:r>
+          </a:p>
+          <a:p>
+            <a:pPr algn="ctr">
+              <a:lnSpc>
+                <a:spcPts val="5576"/>
+              </a:lnSpc>
+            </a:pPr>
+            <a:r>
+              <a:rPr lang="en-US" sz="3982" b="true">
+                <a:solidFill>
+                  <a:srgbClr val="000000"/>
+                </a:solidFill>
+                <a:latin typeface="Canva Sans Bold"/>
+                <a:ea typeface="Canva Sans Bold"/>
+                <a:cs typeface="Canva Sans Bold"/>
+                <a:sym typeface="Canva Sans Bold"/>
+              </a:rPr>
+              <a:t>reference 2 mentioned on our GitHub repository.</a:t>
+            </a:r>
+          </a:p>
+          <a:p>
+            <a:pPr algn="ctr">
+              <a:lnSpc>
+                <a:spcPts val="5576"/>
+              </a:lnSpc>
+            </a:pPr>
+          </a:p>
+          <a:p>
+            <a:pPr algn="ctr">
+              <a:lnSpc>
+                <a:spcPts val="5576"/>
+              </a:lnSpc>
+            </a:pPr>
+            <a:r>
+              <a:rPr lang="en-US" sz="3982" b="true">
+                <a:solidFill>
+                  <a:srgbClr val="000000"/>
+                </a:solidFill>
+                <a:latin typeface="Canva Sans Bold"/>
+                <a:ea typeface="Canva Sans Bold"/>
+                <a:cs typeface="Canva Sans Bold"/>
+                <a:sym typeface="Canva Sans Bold"/>
+              </a:rPr>
+              <a:t>The rest were made by us.</a:t>
+            </a:r>
+          </a:p>
+        </p:txBody>
+      </p:sp>
+    </p:spTree>
+  </p:cSld>
+  <p:clrMapOvr>
+    <a:masterClrMapping/>
+  </p:clrMapOvr>
+</p:sld>
+</file>
+
+<file path=ppt/slides/slide20.xml><?xml version="1.0" encoding="utf-8"?>
+<p:sld xmlns:p="http://schemas.openxmlformats.org/presentationml/2006/main" xmlns:a="http://schemas.openxmlformats.org/drawingml/2006/main">
+  <p:cSld>
+    <p:bg>
+      <p:bgPr>
+        <a:solidFill>
+          <a:srgbClr val="FFF4EA"/>
+        </a:solidFill>
+      </p:bgPr>
+    </p:bg>
+    <p:spTree>
+      <p:nvGrpSpPr>
+        <p:cNvPr id="1" name=""/>
+        <p:cNvGrpSpPr/>
+        <p:nvPr/>
+      </p:nvGrpSpPr>
+      <p:grpSpPr>
+        <a:xfrm>
+          <a:off x="0" y="0"/>
+          <a:ext cx="0" cy="0"/>
+          <a:chOff x="0" y="0"/>
+          <a:chExt cx="0" cy="0"/>
+        </a:xfrm>
+      </p:grpSpPr>
+      <p:sp>
+        <p:nvSpPr>
+          <p:cNvPr name="TextBox 2" id="2"/>
+          <p:cNvSpPr txBox="true"/>
+          <p:nvPr/>
+        </p:nvSpPr>
+        <p:spPr>
+          <a:xfrm rot="0">
             <a:off x="3785414" y="3343275"/>
             <a:ext cx="10717173" cy="3476625"/>
           </a:xfrm>
@@ -5583,7 +6431,7 @@
 </p:sld>
 </file>
 
-<file path=ppt/slides/slide2.xml><?xml version="1.0" encoding="utf-8"?>
+<file path=ppt/slides/slide3.xml><?xml version="1.0" encoding="utf-8"?>
 <p:sld xmlns:p="http://schemas.openxmlformats.org/presentationml/2006/main" xmlns:a="http://schemas.openxmlformats.org/drawingml/2006/main">
   <p:cSld>
     <p:bg>
@@ -6464,7 +7312,7 @@
 </p:sld>
 </file>
 
-<file path=ppt/slides/slide3.xml><?xml version="1.0" encoding="utf-8"?>
+<file path=ppt/slides/slide4.xml><?xml version="1.0" encoding="utf-8"?>
 <p:sld xmlns:p="http://schemas.openxmlformats.org/presentationml/2006/main" xmlns:a="http://schemas.openxmlformats.org/drawingml/2006/main" xmlns:r="http://schemas.openxmlformats.org/officeDocument/2006/relationships">
   <p:cSld>
     <p:bg>
@@ -6542,7 +7390,7 @@
 </p:sld>
 </file>
 
-<file path=ppt/slides/slide4.xml><?xml version="1.0" encoding="utf-8"?>
+<file path=ppt/slides/slide5.xml><?xml version="1.0" encoding="utf-8"?>
 <p:sld xmlns:p="http://schemas.openxmlformats.org/presentationml/2006/main" xmlns:a="http://schemas.openxmlformats.org/drawingml/2006/main" xmlns:r="http://schemas.openxmlformats.org/officeDocument/2006/relationships">
   <p:cSld>
     <p:bg>
@@ -6661,7 +7509,7 @@
 </p:sld>
 </file>
 
-<file path=ppt/slides/slide5.xml><?xml version="1.0" encoding="utf-8"?>
+<file path=ppt/slides/slide6.xml><?xml version="1.0" encoding="utf-8"?>
 <p:sld xmlns:p="http://schemas.openxmlformats.org/presentationml/2006/main" xmlns:a="http://schemas.openxmlformats.org/drawingml/2006/main" xmlns:r="http://schemas.openxmlformats.org/officeDocument/2006/relationships">
   <p:cSld>
     <p:bg>
@@ -6733,7 +7581,53 @@
       </p:sp>
       <p:sp>
         <p:nvSpPr>
-          <p:cNvPr name="TextBox 3" id="3"/>
+          <p:cNvPr name="Freeform 3" id="3"/>
+          <p:cNvSpPr/>
+          <p:nvPr/>
+        </p:nvSpPr>
+        <p:spPr>
+          <a:xfrm flipH="false" flipV="false" rot="0">
+            <a:off x="12935588" y="7730968"/>
+            <a:ext cx="1988490" cy="679167"/>
+          </a:xfrm>
+          <a:custGeom>
+            <a:avLst/>
+            <a:gdLst/>
+            <a:ahLst/>
+            <a:cxnLst/>
+            <a:rect r="r" b="b" t="t" l="l"/>
+            <a:pathLst>
+              <a:path h="679167" w="1988490">
+                <a:moveTo>
+                  <a:pt x="0" y="0"/>
+                </a:moveTo>
+                <a:lnTo>
+                  <a:pt x="1988490" y="0"/>
+                </a:lnTo>
+                <a:lnTo>
+                  <a:pt x="1988490" y="679168"/>
+                </a:lnTo>
+                <a:lnTo>
+                  <a:pt x="0" y="679168"/>
+                </a:lnTo>
+                <a:lnTo>
+                  <a:pt x="0" y="0"/>
+                </a:lnTo>
+                <a:close/>
+              </a:path>
+            </a:pathLst>
+          </a:custGeom>
+          <a:blipFill>
+            <a:blip r:embed="rId3"/>
+            <a:stretch>
+              <a:fillRect l="0" t="0" r="0" b="0"/>
+            </a:stretch>
+          </a:blipFill>
+        </p:spPr>
+      </p:sp>
+      <p:sp>
+        <p:nvSpPr>
+          <p:cNvPr name="TextBox 4" id="4"/>
           <p:cNvSpPr txBox="true"/>
           <p:nvPr/>
         </p:nvSpPr>
@@ -6768,199 +7662,6 @@
                 <a:sym typeface="Cooper Hewitt Bold"/>
               </a:rPr>
               <a:t>BIT HASHING</a:t>
-            </a:r>
-          </a:p>
-        </p:txBody>
-      </p:sp>
-    </p:spTree>
-  </p:cSld>
-  <p:clrMapOvr>
-    <a:masterClrMapping/>
-  </p:clrMapOvr>
-</p:sld>
-</file>
-
-<file path=ppt/slides/slide6.xml><?xml version="1.0" encoding="utf-8"?>
-<p:sld xmlns:p="http://schemas.openxmlformats.org/presentationml/2006/main" xmlns:a="http://schemas.openxmlformats.org/drawingml/2006/main">
-  <p:cSld>
-    <p:bg>
-      <p:bgPr>
-        <a:solidFill>
-          <a:srgbClr val="FFF4EA"/>
-        </a:solidFill>
-      </p:bgPr>
-    </p:bg>
-    <p:spTree>
-      <p:nvGrpSpPr>
-        <p:cNvPr id="1" name=""/>
-        <p:cNvGrpSpPr/>
-        <p:nvPr/>
-      </p:nvGrpSpPr>
-      <p:grpSpPr>
-        <a:xfrm>
-          <a:off x="0" y="0"/>
-          <a:ext cx="0" cy="0"/>
-          <a:chOff x="0" y="0"/>
-          <a:chExt cx="0" cy="0"/>
-        </a:xfrm>
-      </p:grpSpPr>
-      <p:sp>
-        <p:nvSpPr>
-          <p:cNvPr name="TextBox 2" id="2"/>
-          <p:cNvSpPr txBox="true"/>
-          <p:nvPr/>
-        </p:nvSpPr>
-        <p:spPr>
-          <a:xfrm rot="0">
-            <a:off x="3946150" y="491334"/>
-            <a:ext cx="10717173" cy="1298576"/>
-          </a:xfrm>
-          <a:prstGeom prst="rect">
-            <a:avLst/>
-          </a:prstGeom>
-        </p:spPr>
-        <p:txBody>
-          <a:bodyPr anchor="t" rtlCol="false" tIns="0" lIns="0" bIns="0" rIns="0">
-            <a:spAutoFit/>
-          </a:bodyPr>
-          <a:lstStyle/>
-          <a:p>
-            <a:pPr algn="ctr">
-              <a:lnSpc>
-                <a:spcPts val="8000"/>
-              </a:lnSpc>
-            </a:pPr>
-            <a:r>
-              <a:rPr lang="en-US" b="true" sz="8000">
-                <a:solidFill>
-                  <a:srgbClr val="000000"/>
-                </a:solidFill>
-                <a:latin typeface="Cooper Hewitt Bold"/>
-                <a:ea typeface="Cooper Hewitt Bold"/>
-                <a:cs typeface="Cooper Hewitt Bold"/>
-                <a:sym typeface="Cooper Hewitt Bold"/>
-              </a:rPr>
-              <a:t>FASTER ALGORITHMS</a:t>
-            </a:r>
-          </a:p>
-        </p:txBody>
-      </p:sp>
-      <p:sp>
-        <p:nvSpPr>
-          <p:cNvPr name="TextBox 3" id="3"/>
-          <p:cNvSpPr txBox="true"/>
-          <p:nvPr/>
-        </p:nvSpPr>
-        <p:spPr>
-          <a:xfrm rot="0">
-            <a:off x="1358214" y="3240826"/>
-            <a:ext cx="15571571" cy="2089150"/>
-          </a:xfrm>
-          <a:prstGeom prst="rect">
-            <a:avLst/>
-          </a:prstGeom>
-        </p:spPr>
-        <p:txBody>
-          <a:bodyPr anchor="t" rtlCol="false" tIns="0" lIns="0" bIns="0" rIns="0">
-            <a:spAutoFit/>
-          </a:bodyPr>
-          <a:lstStyle/>
-          <a:p>
-            <a:pPr algn="l">
-              <a:lnSpc>
-                <a:spcPts val="5599"/>
-              </a:lnSpc>
-            </a:pPr>
-            <a:r>
-              <a:rPr lang="en-US" sz="3999" b="true">
-                <a:solidFill>
-                  <a:srgbClr val="000000"/>
-                </a:solidFill>
-                <a:latin typeface="Canva Sans Bold"/>
-                <a:ea typeface="Canva Sans Bold"/>
-                <a:cs typeface="Canva Sans Bold"/>
-                <a:sym typeface="Canva Sans Bold"/>
-              </a:rPr>
-              <a:t>Sudoku, being NP-complete, can be converted into other </a:t>
-            </a:r>
-          </a:p>
-          <a:p>
-            <a:pPr algn="l">
-              <a:lnSpc>
-                <a:spcPts val="5599"/>
-              </a:lnSpc>
-            </a:pPr>
-            <a:r>
-              <a:rPr lang="en-US" sz="3999" b="true">
-                <a:solidFill>
-                  <a:srgbClr val="000000"/>
-                </a:solidFill>
-                <a:latin typeface="Canva Sans Bold"/>
-                <a:ea typeface="Canva Sans Bold"/>
-                <a:cs typeface="Canva Sans Bold"/>
-                <a:sym typeface="Canva Sans Bold"/>
-              </a:rPr>
-              <a:t>NP-complete problems. There exist efficient algorithms such problems.</a:t>
-            </a:r>
-          </a:p>
-        </p:txBody>
-      </p:sp>
-      <p:sp>
-        <p:nvSpPr>
-          <p:cNvPr name="TextBox 4" id="4"/>
-          <p:cNvSpPr txBox="true"/>
-          <p:nvPr/>
-        </p:nvSpPr>
-        <p:spPr>
-          <a:xfrm rot="0">
-            <a:off x="1358214" y="5854907"/>
-            <a:ext cx="15571571" cy="2089150"/>
-          </a:xfrm>
-          <a:prstGeom prst="rect">
-            <a:avLst/>
-          </a:prstGeom>
-        </p:spPr>
-        <p:txBody>
-          <a:bodyPr anchor="t" rtlCol="false" tIns="0" lIns="0" bIns="0" rIns="0">
-            <a:spAutoFit/>
-          </a:bodyPr>
-          <a:lstStyle/>
-          <a:p>
-            <a:pPr algn="l">
-              <a:lnSpc>
-                <a:spcPts val="5599"/>
-              </a:lnSpc>
-            </a:pPr>
-            <a:r>
-              <a:rPr lang="en-US" sz="3999" b="true">
-                <a:solidFill>
-                  <a:srgbClr val="000000"/>
-                </a:solidFill>
-                <a:latin typeface="Canva Sans Bold"/>
-                <a:ea typeface="Canva Sans Bold"/>
-                <a:cs typeface="Canva Sans Bold"/>
-                <a:sym typeface="Canva Sans Bold"/>
-              </a:rPr>
-              <a:t>The exact cover problem is one such problem, and Donald Knuth’s ‘Algorithm X’ implemented using ‘Dancing Links’ is </a:t>
-            </a:r>
-          </a:p>
-          <a:p>
-            <a:pPr algn="l">
-              <a:lnSpc>
-                <a:spcPts val="5599"/>
-              </a:lnSpc>
-            </a:pPr>
-            <a:r>
-              <a:rPr lang="en-US" sz="3999" b="true">
-                <a:solidFill>
-                  <a:srgbClr val="000000"/>
-                </a:solidFill>
-                <a:latin typeface="Canva Sans Bold"/>
-                <a:ea typeface="Canva Sans Bold"/>
-                <a:cs typeface="Canva Sans Bold"/>
-                <a:sym typeface="Canva Sans Bold"/>
-              </a:rPr>
-              <a:t>a known efficient algorithm used to solve it.</a:t>
             </a:r>
           </a:p>
         </p:txBody>
@@ -7005,6 +7706,199 @@
         </p:nvSpPr>
         <p:spPr>
           <a:xfrm rot="0">
+            <a:off x="3946150" y="491334"/>
+            <a:ext cx="10717173" cy="1298576"/>
+          </a:xfrm>
+          <a:prstGeom prst="rect">
+            <a:avLst/>
+          </a:prstGeom>
+        </p:spPr>
+        <p:txBody>
+          <a:bodyPr anchor="t" rtlCol="false" tIns="0" lIns="0" bIns="0" rIns="0">
+            <a:spAutoFit/>
+          </a:bodyPr>
+          <a:lstStyle/>
+          <a:p>
+            <a:pPr algn="ctr">
+              <a:lnSpc>
+                <a:spcPts val="8000"/>
+              </a:lnSpc>
+            </a:pPr>
+            <a:r>
+              <a:rPr lang="en-US" b="true" sz="8000">
+                <a:solidFill>
+                  <a:srgbClr val="000000"/>
+                </a:solidFill>
+                <a:latin typeface="Cooper Hewitt Bold"/>
+                <a:ea typeface="Cooper Hewitt Bold"/>
+                <a:cs typeface="Cooper Hewitt Bold"/>
+                <a:sym typeface="Cooper Hewitt Bold"/>
+              </a:rPr>
+              <a:t>FASTER ALGORITHMS</a:t>
+            </a:r>
+          </a:p>
+        </p:txBody>
+      </p:sp>
+      <p:sp>
+        <p:nvSpPr>
+          <p:cNvPr name="TextBox 3" id="3"/>
+          <p:cNvSpPr txBox="true"/>
+          <p:nvPr/>
+        </p:nvSpPr>
+        <p:spPr>
+          <a:xfrm rot="0">
+            <a:off x="1358214" y="3240826"/>
+            <a:ext cx="15571571" cy="2089150"/>
+          </a:xfrm>
+          <a:prstGeom prst="rect">
+            <a:avLst/>
+          </a:prstGeom>
+        </p:spPr>
+        <p:txBody>
+          <a:bodyPr anchor="t" rtlCol="false" tIns="0" lIns="0" bIns="0" rIns="0">
+            <a:spAutoFit/>
+          </a:bodyPr>
+          <a:lstStyle/>
+          <a:p>
+            <a:pPr algn="l">
+              <a:lnSpc>
+                <a:spcPts val="5599"/>
+              </a:lnSpc>
+            </a:pPr>
+            <a:r>
+              <a:rPr lang="en-US" sz="3999" b="true">
+                <a:solidFill>
+                  <a:srgbClr val="000000"/>
+                </a:solidFill>
+                <a:latin typeface="Canva Sans Bold"/>
+                <a:ea typeface="Canva Sans Bold"/>
+                <a:cs typeface="Canva Sans Bold"/>
+                <a:sym typeface="Canva Sans Bold"/>
+              </a:rPr>
+              <a:t>Sudoku, being NP-complete, can be converted into other </a:t>
+            </a:r>
+          </a:p>
+          <a:p>
+            <a:pPr algn="l">
+              <a:lnSpc>
+                <a:spcPts val="5599"/>
+              </a:lnSpc>
+            </a:pPr>
+            <a:r>
+              <a:rPr lang="en-US" sz="3999" b="true">
+                <a:solidFill>
+                  <a:srgbClr val="000000"/>
+                </a:solidFill>
+                <a:latin typeface="Canva Sans Bold"/>
+                <a:ea typeface="Canva Sans Bold"/>
+                <a:cs typeface="Canva Sans Bold"/>
+                <a:sym typeface="Canva Sans Bold"/>
+              </a:rPr>
+              <a:t>NP-complete problems. Efficient algorithms that reduce the search space for these problems exist.</a:t>
+            </a:r>
+          </a:p>
+        </p:txBody>
+      </p:sp>
+      <p:sp>
+        <p:nvSpPr>
+          <p:cNvPr name="TextBox 4" id="4"/>
+          <p:cNvSpPr txBox="true"/>
+          <p:nvPr/>
+        </p:nvSpPr>
+        <p:spPr>
+          <a:xfrm rot="0">
+            <a:off x="1358214" y="5854907"/>
+            <a:ext cx="15571571" cy="2089150"/>
+          </a:xfrm>
+          <a:prstGeom prst="rect">
+            <a:avLst/>
+          </a:prstGeom>
+        </p:spPr>
+        <p:txBody>
+          <a:bodyPr anchor="t" rtlCol="false" tIns="0" lIns="0" bIns="0" rIns="0">
+            <a:spAutoFit/>
+          </a:bodyPr>
+          <a:lstStyle/>
+          <a:p>
+            <a:pPr algn="l">
+              <a:lnSpc>
+                <a:spcPts val="5599"/>
+              </a:lnSpc>
+            </a:pPr>
+            <a:r>
+              <a:rPr lang="en-US" sz="3999" b="true">
+                <a:solidFill>
+                  <a:srgbClr val="000000"/>
+                </a:solidFill>
+                <a:latin typeface="Canva Sans Bold"/>
+                <a:ea typeface="Canva Sans Bold"/>
+                <a:cs typeface="Canva Sans Bold"/>
+                <a:sym typeface="Canva Sans Bold"/>
+              </a:rPr>
+              <a:t>The exact cover problem is one such problem, and Donald Knuth’s ‘Algorithm X’ implemented using ‘Dancing Links’ is </a:t>
+            </a:r>
+          </a:p>
+          <a:p>
+            <a:pPr algn="l">
+              <a:lnSpc>
+                <a:spcPts val="5599"/>
+              </a:lnSpc>
+            </a:pPr>
+            <a:r>
+              <a:rPr lang="en-US" sz="3999" b="true">
+                <a:solidFill>
+                  <a:srgbClr val="000000"/>
+                </a:solidFill>
+                <a:latin typeface="Canva Sans Bold"/>
+                <a:ea typeface="Canva Sans Bold"/>
+                <a:cs typeface="Canva Sans Bold"/>
+                <a:sym typeface="Canva Sans Bold"/>
+              </a:rPr>
+              <a:t>a known efficient algorithm used to solve it.</a:t>
+            </a:r>
+          </a:p>
+        </p:txBody>
+      </p:sp>
+    </p:spTree>
+  </p:cSld>
+  <p:clrMapOvr>
+    <a:masterClrMapping/>
+  </p:clrMapOvr>
+</p:sld>
+</file>
+
+<file path=ppt/slides/slide8.xml><?xml version="1.0" encoding="utf-8"?>
+<p:sld xmlns:p="http://schemas.openxmlformats.org/presentationml/2006/main" xmlns:a="http://schemas.openxmlformats.org/drawingml/2006/main">
+  <p:cSld>
+    <p:bg>
+      <p:bgPr>
+        <a:solidFill>
+          <a:srgbClr val="FFF4EA"/>
+        </a:solidFill>
+      </p:bgPr>
+    </p:bg>
+    <p:spTree>
+      <p:nvGrpSpPr>
+        <p:cNvPr id="1" name=""/>
+        <p:cNvGrpSpPr/>
+        <p:nvPr/>
+      </p:nvGrpSpPr>
+      <p:grpSpPr>
+        <a:xfrm>
+          <a:off x="0" y="0"/>
+          <a:ext cx="0" cy="0"/>
+          <a:chOff x="0" y="0"/>
+          <a:chExt cx="0" cy="0"/>
+        </a:xfrm>
+      </p:grpSpPr>
+      <p:sp>
+        <p:nvSpPr>
+          <p:cNvPr name="TextBox 2" id="2"/>
+          <p:cNvSpPr txBox="true"/>
+          <p:nvPr/>
+        </p:nvSpPr>
+        <p:spPr>
+          <a:xfrm rot="0">
             <a:off x="1358214" y="4295767"/>
             <a:ext cx="15571571" cy="2794000"/>
           </a:xfrm>
@@ -7094,7 +7988,7 @@
 </p:sld>
 </file>
 
-<file path=ppt/slides/slide8.xml><?xml version="1.0" encoding="utf-8"?>
+<file path=ppt/slides/slide9.xml><?xml version="1.0" encoding="utf-8"?>
 <p:sld xmlns:p="http://schemas.openxmlformats.org/presentationml/2006/main" xmlns:a="http://schemas.openxmlformats.org/drawingml/2006/main" xmlns:r="http://schemas.openxmlformats.org/officeDocument/2006/relationships">
   <p:cSld>
     <p:bg>
@@ -7209,171 +8103,6 @@
             </a:stretch>
           </a:blipFill>
         </p:spPr>
-      </p:sp>
-    </p:spTree>
-  </p:cSld>
-  <p:clrMapOvr>
-    <a:masterClrMapping/>
-  </p:clrMapOvr>
-</p:sld>
-</file>
-
-<file path=ppt/slides/slide9.xml><?xml version="1.0" encoding="utf-8"?>
-<p:sld xmlns:p="http://schemas.openxmlformats.org/presentationml/2006/main" xmlns:a="http://schemas.openxmlformats.org/drawingml/2006/main" xmlns:r="http://schemas.openxmlformats.org/officeDocument/2006/relationships">
-  <p:cSld>
-    <p:bg>
-      <p:bgPr>
-        <a:solidFill>
-          <a:srgbClr val="FFF4EA"/>
-        </a:solidFill>
-      </p:bgPr>
-    </p:bg>
-    <p:spTree>
-      <p:nvGrpSpPr>
-        <p:cNvPr id="1" name=""/>
-        <p:cNvGrpSpPr/>
-        <p:nvPr/>
-      </p:nvGrpSpPr>
-      <p:grpSpPr>
-        <a:xfrm>
-          <a:off x="0" y="0"/>
-          <a:ext cx="0" cy="0"/>
-          <a:chOff x="0" y="0"/>
-          <a:chExt cx="0" cy="0"/>
-        </a:xfrm>
-      </p:grpSpPr>
-      <p:sp>
-        <p:nvSpPr>
-          <p:cNvPr name="Freeform 2" id="2"/>
-          <p:cNvSpPr/>
-          <p:nvPr/>
-        </p:nvSpPr>
-        <p:spPr>
-          <a:xfrm flipH="false" flipV="false" rot="0">
-            <a:off x="7455162" y="2786127"/>
-            <a:ext cx="9804138" cy="5389837"/>
-          </a:xfrm>
-          <a:custGeom>
-            <a:avLst/>
-            <a:gdLst/>
-            <a:ahLst/>
-            <a:cxnLst/>
-            <a:rect r="r" b="b" t="t" l="l"/>
-            <a:pathLst>
-              <a:path h="5389837" w="9804138">
-                <a:moveTo>
-                  <a:pt x="0" y="0"/>
-                </a:moveTo>
-                <a:lnTo>
-                  <a:pt x="9804138" y="0"/>
-                </a:lnTo>
-                <a:lnTo>
-                  <a:pt x="9804138" y="5389837"/>
-                </a:lnTo>
-                <a:lnTo>
-                  <a:pt x="0" y="5389837"/>
-                </a:lnTo>
-                <a:lnTo>
-                  <a:pt x="0" y="0"/>
-                </a:lnTo>
-                <a:close/>
-              </a:path>
-            </a:pathLst>
-          </a:custGeom>
-          <a:blipFill>
-            <a:blip r:embed="rId2"/>
-            <a:stretch>
-              <a:fillRect l="0" t="0" r="0" b="0"/>
-            </a:stretch>
-          </a:blipFill>
-        </p:spPr>
-      </p:sp>
-      <p:sp>
-        <p:nvSpPr>
-          <p:cNvPr name="Freeform 3" id="3"/>
-          <p:cNvSpPr/>
-          <p:nvPr/>
-        </p:nvSpPr>
-        <p:spPr>
-          <a:xfrm flipH="false" flipV="false" rot="0">
-            <a:off x="762799" y="3514801"/>
-            <a:ext cx="5671611" cy="3932490"/>
-          </a:xfrm>
-          <a:custGeom>
-            <a:avLst/>
-            <a:gdLst/>
-            <a:ahLst/>
-            <a:cxnLst/>
-            <a:rect r="r" b="b" t="t" l="l"/>
-            <a:pathLst>
-              <a:path h="3932490" w="5671611">
-                <a:moveTo>
-                  <a:pt x="0" y="0"/>
-                </a:moveTo>
-                <a:lnTo>
-                  <a:pt x="5671611" y="0"/>
-                </a:lnTo>
-                <a:lnTo>
-                  <a:pt x="5671611" y="3932490"/>
-                </a:lnTo>
-                <a:lnTo>
-                  <a:pt x="0" y="3932490"/>
-                </a:lnTo>
-                <a:lnTo>
-                  <a:pt x="0" y="0"/>
-                </a:lnTo>
-                <a:close/>
-              </a:path>
-            </a:pathLst>
-          </a:custGeom>
-          <a:blipFill>
-            <a:blip r:embed="rId3"/>
-            <a:stretch>
-              <a:fillRect l="0" t="0" r="0" b="0"/>
-            </a:stretch>
-          </a:blipFill>
-        </p:spPr>
-      </p:sp>
-      <p:sp>
-        <p:nvSpPr>
-          <p:cNvPr name="TextBox 4" id="4"/>
-          <p:cNvSpPr txBox="true"/>
-          <p:nvPr/>
-        </p:nvSpPr>
-        <p:spPr>
-          <a:xfrm rot="0">
-            <a:off x="297441" y="491334"/>
-            <a:ext cx="17990559" cy="1298576"/>
-          </a:xfrm>
-          <a:prstGeom prst="rect">
-            <a:avLst/>
-          </a:prstGeom>
-        </p:spPr>
-        <p:txBody>
-          <a:bodyPr anchor="t" rtlCol="false" tIns="0" lIns="0" bIns="0" rIns="0">
-            <a:spAutoFit/>
-          </a:bodyPr>
-          <a:lstStyle/>
-          <a:p>
-            <a:pPr algn="ctr">
-              <a:lnSpc>
-                <a:spcPts val="8000"/>
-              </a:lnSpc>
-            </a:pPr>
-            <a:r>
-              <a:rPr lang="en-US" b="true" sz="8000">
-                <a:solidFill>
-                  <a:srgbClr val="000000"/>
-                </a:solidFill>
-                <a:latin typeface="Cooper Hewitt Bold"/>
-                <a:ea typeface="Cooper Hewitt Bold"/>
-                <a:cs typeface="Cooper Hewitt Bold"/>
-                <a:sym typeface="Cooper Hewitt Bold"/>
-              </a:rPr>
-              <a:t>BINARY MATRIX REPRESENTATION</a:t>
-            </a:r>
-          </a:p>
-        </p:txBody>
       </p:sp>
     </p:spTree>
   </p:cSld>

--- a/Presentation/Sudoku Solver PPT.pptx
+++ b/Presentation/Sudoku Solver PPT.pptx
@@ -3765,212 +3765,6 @@
         </p:nvSpPr>
         <p:spPr>
           <a:xfrm flipH="false" flipV="false" rot="0">
-            <a:off x="7455162" y="2786127"/>
-            <a:ext cx="9804138" cy="5389837"/>
-          </a:xfrm>
-          <a:custGeom>
-            <a:avLst/>
-            <a:gdLst/>
-            <a:ahLst/>
-            <a:cxnLst/>
-            <a:rect r="r" b="b" t="t" l="l"/>
-            <a:pathLst>
-              <a:path h="5389837" w="9804138">
-                <a:moveTo>
-                  <a:pt x="0" y="0"/>
-                </a:moveTo>
-                <a:lnTo>
-                  <a:pt x="9804138" y="0"/>
-                </a:lnTo>
-                <a:lnTo>
-                  <a:pt x="9804138" y="5389837"/>
-                </a:lnTo>
-                <a:lnTo>
-                  <a:pt x="0" y="5389837"/>
-                </a:lnTo>
-                <a:lnTo>
-                  <a:pt x="0" y="0"/>
-                </a:lnTo>
-                <a:close/>
-              </a:path>
-            </a:pathLst>
-          </a:custGeom>
-          <a:blipFill>
-            <a:blip r:embed="rId2"/>
-            <a:stretch>
-              <a:fillRect l="0" t="0" r="0" b="0"/>
-            </a:stretch>
-          </a:blipFill>
-        </p:spPr>
-      </p:sp>
-      <p:sp>
-        <p:nvSpPr>
-          <p:cNvPr name="Freeform 3" id="3"/>
-          <p:cNvSpPr/>
-          <p:nvPr/>
-        </p:nvSpPr>
-        <p:spPr>
-          <a:xfrm flipH="false" flipV="false" rot="0">
-            <a:off x="762799" y="3514801"/>
-            <a:ext cx="5671611" cy="3932490"/>
-          </a:xfrm>
-          <a:custGeom>
-            <a:avLst/>
-            <a:gdLst/>
-            <a:ahLst/>
-            <a:cxnLst/>
-            <a:rect r="r" b="b" t="t" l="l"/>
-            <a:pathLst>
-              <a:path h="3932490" w="5671611">
-                <a:moveTo>
-                  <a:pt x="0" y="0"/>
-                </a:moveTo>
-                <a:lnTo>
-                  <a:pt x="5671611" y="0"/>
-                </a:lnTo>
-                <a:lnTo>
-                  <a:pt x="5671611" y="3932490"/>
-                </a:lnTo>
-                <a:lnTo>
-                  <a:pt x="0" y="3932490"/>
-                </a:lnTo>
-                <a:lnTo>
-                  <a:pt x="0" y="0"/>
-                </a:lnTo>
-                <a:close/>
-              </a:path>
-            </a:pathLst>
-          </a:custGeom>
-          <a:blipFill>
-            <a:blip r:embed="rId3"/>
-            <a:stretch>
-              <a:fillRect l="0" t="0" r="0" b="0"/>
-            </a:stretch>
-          </a:blipFill>
-        </p:spPr>
-      </p:sp>
-      <p:sp>
-        <p:nvSpPr>
-          <p:cNvPr name="TextBox 4" id="4"/>
-          <p:cNvSpPr txBox="true"/>
-          <p:nvPr/>
-        </p:nvSpPr>
-        <p:spPr>
-          <a:xfrm rot="0">
-            <a:off x="297441" y="491334"/>
-            <a:ext cx="17990559" cy="1298576"/>
-          </a:xfrm>
-          <a:prstGeom prst="rect">
-            <a:avLst/>
-          </a:prstGeom>
-        </p:spPr>
-        <p:txBody>
-          <a:bodyPr anchor="t" rtlCol="false" tIns="0" lIns="0" bIns="0" rIns="0">
-            <a:spAutoFit/>
-          </a:bodyPr>
-          <a:lstStyle/>
-          <a:p>
-            <a:pPr algn="ctr">
-              <a:lnSpc>
-                <a:spcPts val="8000"/>
-              </a:lnSpc>
-            </a:pPr>
-            <a:r>
-              <a:rPr lang="en-US" b="true" sz="8000">
-                <a:solidFill>
-                  <a:srgbClr val="000000"/>
-                </a:solidFill>
-                <a:latin typeface="Cooper Hewitt Bold"/>
-                <a:ea typeface="Cooper Hewitt Bold"/>
-                <a:cs typeface="Cooper Hewitt Bold"/>
-                <a:sym typeface="Cooper Hewitt Bold"/>
-              </a:rPr>
-              <a:t>BINARY MATRIX REPRESENTATION</a:t>
-            </a:r>
-          </a:p>
-        </p:txBody>
-      </p:sp>
-      <p:sp>
-        <p:nvSpPr>
-          <p:cNvPr name="TextBox 5" id="5"/>
-          <p:cNvSpPr txBox="true"/>
-          <p:nvPr/>
-        </p:nvSpPr>
-        <p:spPr>
-          <a:xfrm rot="0">
-            <a:off x="15944767" y="1922791"/>
-            <a:ext cx="2222687" cy="1334832"/>
-          </a:xfrm>
-          <a:prstGeom prst="rect">
-            <a:avLst/>
-          </a:prstGeom>
-        </p:spPr>
-        <p:txBody>
-          <a:bodyPr anchor="t" rtlCol="false" tIns="0" lIns="0" bIns="0" rIns="0">
-            <a:spAutoFit/>
-          </a:bodyPr>
-          <a:lstStyle/>
-          <a:p>
-            <a:pPr algn="ctr">
-              <a:lnSpc>
-                <a:spcPts val="10995"/>
-              </a:lnSpc>
-            </a:pPr>
-            <a:r>
-              <a:rPr lang="en-US" sz="7853" b="true">
-                <a:solidFill>
-                  <a:srgbClr val="000000"/>
-                </a:solidFill>
-                <a:latin typeface="Canva Sans Bold"/>
-                <a:ea typeface="Canva Sans Bold"/>
-                <a:cs typeface="Canva Sans Bold"/>
-                <a:sym typeface="Canva Sans Bold"/>
-              </a:rPr>
-              <a:t>*</a:t>
-            </a:r>
-          </a:p>
-        </p:txBody>
-      </p:sp>
-    </p:spTree>
-  </p:cSld>
-  <p:clrMapOvr>
-    <a:masterClrMapping/>
-  </p:clrMapOvr>
-</p:sld>
-</file>
-
-<file path=ppt/slides/slide11.xml><?xml version="1.0" encoding="utf-8"?>
-<p:sld xmlns:p="http://schemas.openxmlformats.org/presentationml/2006/main" xmlns:a="http://schemas.openxmlformats.org/drawingml/2006/main" xmlns:r="http://schemas.openxmlformats.org/officeDocument/2006/relationships">
-  <p:cSld>
-    <p:bg>
-      <p:bgPr>
-        <a:solidFill>
-          <a:srgbClr val="FFF4EA"/>
-        </a:solidFill>
-      </p:bgPr>
-    </p:bg>
-    <p:spTree>
-      <p:nvGrpSpPr>
-        <p:cNvPr id="1" name=""/>
-        <p:cNvGrpSpPr/>
-        <p:nvPr/>
-      </p:nvGrpSpPr>
-      <p:grpSpPr>
-        <a:xfrm>
-          <a:off x="0" y="0"/>
-          <a:ext cx="0" cy="0"/>
-          <a:chOff x="0" y="0"/>
-          <a:chExt cx="0" cy="0"/>
-        </a:xfrm>
-      </p:grpSpPr>
-      <p:sp>
-        <p:nvSpPr>
-          <p:cNvPr name="Freeform 2" id="2"/>
-          <p:cNvSpPr/>
-          <p:nvPr/>
-        </p:nvSpPr>
-        <p:spPr>
-          <a:xfrm flipH="false" flipV="false" rot="0">
             <a:off x="1028700" y="2266379"/>
             <a:ext cx="12205714" cy="6710107"/>
           </a:xfrm>
@@ -4099,7 +3893,7 @@
 </p:sld>
 </file>
 
-<file path=ppt/slides/slide12.xml><?xml version="1.0" encoding="utf-8"?>
+<file path=ppt/slides/slide11.xml><?xml version="1.0" encoding="utf-8"?>
 <p:sld xmlns:p="http://schemas.openxmlformats.org/presentationml/2006/main" xmlns:a="http://schemas.openxmlformats.org/drawingml/2006/main" xmlns:r="http://schemas.openxmlformats.org/officeDocument/2006/relationships">
   <p:cSld>
     <p:bg>
@@ -4259,7 +4053,7 @@
 </p:sld>
 </file>
 
-<file path=ppt/slides/slide13.xml><?xml version="1.0" encoding="utf-8"?>
+<file path=ppt/slides/slide12.xml><?xml version="1.0" encoding="utf-8"?>
 <p:sld xmlns:p="http://schemas.openxmlformats.org/presentationml/2006/main" xmlns:a="http://schemas.openxmlformats.org/drawingml/2006/main">
   <p:cSld>
     <p:bg>
@@ -5478,7 +5272,7 @@
 </p:sld>
 </file>
 
-<file path=ppt/slides/slide14.xml><?xml version="1.0" encoding="utf-8"?>
+<file path=ppt/slides/slide13.xml><?xml version="1.0" encoding="utf-8"?>
 <p:sld xmlns:p="http://schemas.openxmlformats.org/presentationml/2006/main" xmlns:a="http://schemas.openxmlformats.org/drawingml/2006/main" xmlns:r="http://schemas.openxmlformats.org/officeDocument/2006/relationships">
   <p:cSld>
     <p:bg>
@@ -5556,7 +5350,7 @@
 </p:sld>
 </file>
 
-<file path=ppt/slides/slide15.xml><?xml version="1.0" encoding="utf-8"?>
+<file path=ppt/slides/slide14.xml><?xml version="1.0" encoding="utf-8"?>
 <p:sld xmlns:p="http://schemas.openxmlformats.org/presentationml/2006/main" xmlns:a="http://schemas.openxmlformats.org/drawingml/2006/main" xmlns:r="http://schemas.openxmlformats.org/officeDocument/2006/relationships">
   <p:cSld>
     <p:bg>
@@ -5634,7 +5428,7 @@
 </p:sld>
 </file>
 
-<file path=ppt/slides/slide16.xml><?xml version="1.0" encoding="utf-8"?>
+<file path=ppt/slides/slide15.xml><?xml version="1.0" encoding="utf-8"?>
 <p:sld xmlns:p="http://schemas.openxmlformats.org/presentationml/2006/main" xmlns:a="http://schemas.openxmlformats.org/drawingml/2006/main" xmlns:r="http://schemas.openxmlformats.org/officeDocument/2006/relationships">
   <p:cSld>
     <p:bg>
@@ -5712,7 +5506,7 @@
 </p:sld>
 </file>
 
-<file path=ppt/slides/slide17.xml><?xml version="1.0" encoding="utf-8"?>
+<file path=ppt/slides/slide16.xml><?xml version="1.0" encoding="utf-8"?>
 <p:sld xmlns:p="http://schemas.openxmlformats.org/presentationml/2006/main" xmlns:a="http://schemas.openxmlformats.org/drawingml/2006/main" xmlns:r="http://schemas.openxmlformats.org/officeDocument/2006/relationships">
   <p:cSld>
     <p:bg>
@@ -5983,7 +5777,7 @@
 </p:sld>
 </file>
 
-<file path=ppt/slides/slide18.xml><?xml version="1.0" encoding="utf-8"?>
+<file path=ppt/slides/slide17.xml><?xml version="1.0" encoding="utf-8"?>
 <p:sld xmlns:p="http://schemas.openxmlformats.org/presentationml/2006/main" xmlns:a="http://schemas.openxmlformats.org/drawingml/2006/main" xmlns:r="http://schemas.openxmlformats.org/officeDocument/2006/relationships">
   <p:cSld>
     <p:bg>
@@ -6102,7 +5896,7 @@
 </p:sld>
 </file>
 
-<file path=ppt/slides/slide19.xml><?xml version="1.0" encoding="utf-8"?>
+<file path=ppt/slides/slide18.xml><?xml version="1.0" encoding="utf-8"?>
 <p:sld xmlns:p="http://schemas.openxmlformats.org/presentationml/2006/main" xmlns:a="http://schemas.openxmlformats.org/drawingml/2006/main" xmlns:r="http://schemas.openxmlformats.org/officeDocument/2006/relationships">
   <p:cSld>
     <p:bg>
@@ -6180,7 +5974,7 @@
 </p:sld>
 </file>
 
-<file path=ppt/slides/slide2.xml><?xml version="1.0" encoding="utf-8"?>
+<file path=ppt/slides/slide19.xml><?xml version="1.0" encoding="utf-8"?>
 <p:sld xmlns:p="http://schemas.openxmlformats.org/presentationml/2006/main" xmlns:a="http://schemas.openxmlformats.org/drawingml/2006/main">
   <p:cSld>
     <p:bg>
@@ -6339,99 +6133,7 @@
 </p:sld>
 </file>
 
-<file path=ppt/slides/slide20.xml><?xml version="1.0" encoding="utf-8"?>
-<p:sld xmlns:p="http://schemas.openxmlformats.org/presentationml/2006/main" xmlns:a="http://schemas.openxmlformats.org/drawingml/2006/main">
-  <p:cSld>
-    <p:bg>
-      <p:bgPr>
-        <a:solidFill>
-          <a:srgbClr val="FFF4EA"/>
-        </a:solidFill>
-      </p:bgPr>
-    </p:bg>
-    <p:spTree>
-      <p:nvGrpSpPr>
-        <p:cNvPr id="1" name=""/>
-        <p:cNvGrpSpPr/>
-        <p:nvPr/>
-      </p:nvGrpSpPr>
-      <p:grpSpPr>
-        <a:xfrm>
-          <a:off x="0" y="0"/>
-          <a:ext cx="0" cy="0"/>
-          <a:chOff x="0" y="0"/>
-          <a:chExt cx="0" cy="0"/>
-        </a:xfrm>
-      </p:grpSpPr>
-      <p:sp>
-        <p:nvSpPr>
-          <p:cNvPr name="TextBox 2" id="2"/>
-          <p:cNvSpPr txBox="true"/>
-          <p:nvPr/>
-        </p:nvSpPr>
-        <p:spPr>
-          <a:xfrm rot="0">
-            <a:off x="3785414" y="3343275"/>
-            <a:ext cx="10717173" cy="3476625"/>
-          </a:xfrm>
-          <a:prstGeom prst="rect">
-            <a:avLst/>
-          </a:prstGeom>
-        </p:spPr>
-        <p:txBody>
-          <a:bodyPr anchor="t" rtlCol="false" tIns="0" lIns="0" bIns="0" rIns="0">
-            <a:spAutoFit/>
-          </a:bodyPr>
-          <a:lstStyle/>
-          <a:p>
-            <a:pPr algn="ctr">
-              <a:lnSpc>
-                <a:spcPts val="12000"/>
-              </a:lnSpc>
-            </a:pPr>
-            <a:r>
-              <a:rPr lang="en-US" b="true" sz="12000">
-                <a:solidFill>
-                  <a:srgbClr val="000000"/>
-                </a:solidFill>
-                <a:latin typeface="Cooper Hewitt Bold"/>
-                <a:ea typeface="Cooper Hewitt Bold"/>
-                <a:cs typeface="Cooper Hewitt Bold"/>
-                <a:sym typeface="Cooper Hewitt Bold"/>
-              </a:rPr>
-              <a:t>THANK </a:t>
-            </a:r>
-          </a:p>
-          <a:p>
-            <a:pPr algn="ctr">
-              <a:lnSpc>
-                <a:spcPts val="12000"/>
-              </a:lnSpc>
-            </a:pPr>
-            <a:r>
-              <a:rPr lang="en-US" b="true" sz="12000">
-                <a:solidFill>
-                  <a:srgbClr val="000000"/>
-                </a:solidFill>
-                <a:latin typeface="Cooper Hewitt Bold"/>
-                <a:ea typeface="Cooper Hewitt Bold"/>
-                <a:cs typeface="Cooper Hewitt Bold"/>
-                <a:sym typeface="Cooper Hewitt Bold"/>
-              </a:rPr>
-              <a:t>YOU</a:t>
-            </a:r>
-          </a:p>
-        </p:txBody>
-      </p:sp>
-    </p:spTree>
-  </p:cSld>
-  <p:clrMapOvr>
-    <a:masterClrMapping/>
-  </p:clrMapOvr>
-</p:sld>
-</file>
-
-<file path=ppt/slides/slide3.xml><?xml version="1.0" encoding="utf-8"?>
+<file path=ppt/slides/slide2.xml><?xml version="1.0" encoding="utf-8"?>
 <p:sld xmlns:p="http://schemas.openxmlformats.org/presentationml/2006/main" xmlns:a="http://schemas.openxmlformats.org/drawingml/2006/main">
   <p:cSld>
     <p:bg>
@@ -7312,7 +7014,99 @@
 </p:sld>
 </file>
 
-<file path=ppt/slides/slide4.xml><?xml version="1.0" encoding="utf-8"?>
+<file path=ppt/slides/slide20.xml><?xml version="1.0" encoding="utf-8"?>
+<p:sld xmlns:p="http://schemas.openxmlformats.org/presentationml/2006/main" xmlns:a="http://schemas.openxmlformats.org/drawingml/2006/main">
+  <p:cSld>
+    <p:bg>
+      <p:bgPr>
+        <a:solidFill>
+          <a:srgbClr val="FFF4EA"/>
+        </a:solidFill>
+      </p:bgPr>
+    </p:bg>
+    <p:spTree>
+      <p:nvGrpSpPr>
+        <p:cNvPr id="1" name=""/>
+        <p:cNvGrpSpPr/>
+        <p:nvPr/>
+      </p:nvGrpSpPr>
+      <p:grpSpPr>
+        <a:xfrm>
+          <a:off x="0" y="0"/>
+          <a:ext cx="0" cy="0"/>
+          <a:chOff x="0" y="0"/>
+          <a:chExt cx="0" cy="0"/>
+        </a:xfrm>
+      </p:grpSpPr>
+      <p:sp>
+        <p:nvSpPr>
+          <p:cNvPr name="TextBox 2" id="2"/>
+          <p:cNvSpPr txBox="true"/>
+          <p:nvPr/>
+        </p:nvSpPr>
+        <p:spPr>
+          <a:xfrm rot="0">
+            <a:off x="3785414" y="3343275"/>
+            <a:ext cx="10717173" cy="3476625"/>
+          </a:xfrm>
+          <a:prstGeom prst="rect">
+            <a:avLst/>
+          </a:prstGeom>
+        </p:spPr>
+        <p:txBody>
+          <a:bodyPr anchor="t" rtlCol="false" tIns="0" lIns="0" bIns="0" rIns="0">
+            <a:spAutoFit/>
+          </a:bodyPr>
+          <a:lstStyle/>
+          <a:p>
+            <a:pPr algn="ctr">
+              <a:lnSpc>
+                <a:spcPts val="12000"/>
+              </a:lnSpc>
+            </a:pPr>
+            <a:r>
+              <a:rPr lang="en-US" b="true" sz="12000">
+                <a:solidFill>
+                  <a:srgbClr val="000000"/>
+                </a:solidFill>
+                <a:latin typeface="Cooper Hewitt Bold"/>
+                <a:ea typeface="Cooper Hewitt Bold"/>
+                <a:cs typeface="Cooper Hewitt Bold"/>
+                <a:sym typeface="Cooper Hewitt Bold"/>
+              </a:rPr>
+              <a:t>THANK </a:t>
+            </a:r>
+          </a:p>
+          <a:p>
+            <a:pPr algn="ctr">
+              <a:lnSpc>
+                <a:spcPts val="12000"/>
+              </a:lnSpc>
+            </a:pPr>
+            <a:r>
+              <a:rPr lang="en-US" b="true" sz="12000">
+                <a:solidFill>
+                  <a:srgbClr val="000000"/>
+                </a:solidFill>
+                <a:latin typeface="Cooper Hewitt Bold"/>
+                <a:ea typeface="Cooper Hewitt Bold"/>
+                <a:cs typeface="Cooper Hewitt Bold"/>
+                <a:sym typeface="Cooper Hewitt Bold"/>
+              </a:rPr>
+              <a:t>YOU</a:t>
+            </a:r>
+          </a:p>
+        </p:txBody>
+      </p:sp>
+    </p:spTree>
+  </p:cSld>
+  <p:clrMapOvr>
+    <a:masterClrMapping/>
+  </p:clrMapOvr>
+</p:sld>
+</file>
+
+<file path=ppt/slides/slide3.xml><?xml version="1.0" encoding="utf-8"?>
 <p:sld xmlns:p="http://schemas.openxmlformats.org/presentationml/2006/main" xmlns:a="http://schemas.openxmlformats.org/drawingml/2006/main" xmlns:r="http://schemas.openxmlformats.org/officeDocument/2006/relationships">
   <p:cSld>
     <p:bg>
@@ -7390,7 +7184,7 @@
 </p:sld>
 </file>
 
-<file path=ppt/slides/slide5.xml><?xml version="1.0" encoding="utf-8"?>
+<file path=ppt/slides/slide4.xml><?xml version="1.0" encoding="utf-8"?>
 <p:sld xmlns:p="http://schemas.openxmlformats.org/presentationml/2006/main" xmlns:a="http://schemas.openxmlformats.org/drawingml/2006/main" xmlns:r="http://schemas.openxmlformats.org/officeDocument/2006/relationships">
   <p:cSld>
     <p:bg>
@@ -7509,7 +7303,7 @@
 </p:sld>
 </file>
 
-<file path=ppt/slides/slide6.xml><?xml version="1.0" encoding="utf-8"?>
+<file path=ppt/slides/slide5.xml><?xml version="1.0" encoding="utf-8"?>
 <p:sld xmlns:p="http://schemas.openxmlformats.org/presentationml/2006/main" xmlns:a="http://schemas.openxmlformats.org/drawingml/2006/main" xmlns:r="http://schemas.openxmlformats.org/officeDocument/2006/relationships">
   <p:cSld>
     <p:bg>
@@ -7674,6 +7468,199 @@
 </p:sld>
 </file>
 
+<file path=ppt/slides/slide6.xml><?xml version="1.0" encoding="utf-8"?>
+<p:sld xmlns:p="http://schemas.openxmlformats.org/presentationml/2006/main" xmlns:a="http://schemas.openxmlformats.org/drawingml/2006/main">
+  <p:cSld>
+    <p:bg>
+      <p:bgPr>
+        <a:solidFill>
+          <a:srgbClr val="FFF4EA"/>
+        </a:solidFill>
+      </p:bgPr>
+    </p:bg>
+    <p:spTree>
+      <p:nvGrpSpPr>
+        <p:cNvPr id="1" name=""/>
+        <p:cNvGrpSpPr/>
+        <p:nvPr/>
+      </p:nvGrpSpPr>
+      <p:grpSpPr>
+        <a:xfrm>
+          <a:off x="0" y="0"/>
+          <a:ext cx="0" cy="0"/>
+          <a:chOff x="0" y="0"/>
+          <a:chExt cx="0" cy="0"/>
+        </a:xfrm>
+      </p:grpSpPr>
+      <p:sp>
+        <p:nvSpPr>
+          <p:cNvPr name="TextBox 2" id="2"/>
+          <p:cNvSpPr txBox="true"/>
+          <p:nvPr/>
+        </p:nvSpPr>
+        <p:spPr>
+          <a:xfrm rot="0">
+            <a:off x="3946150" y="491334"/>
+            <a:ext cx="10717173" cy="1298576"/>
+          </a:xfrm>
+          <a:prstGeom prst="rect">
+            <a:avLst/>
+          </a:prstGeom>
+        </p:spPr>
+        <p:txBody>
+          <a:bodyPr anchor="t" rtlCol="false" tIns="0" lIns="0" bIns="0" rIns="0">
+            <a:spAutoFit/>
+          </a:bodyPr>
+          <a:lstStyle/>
+          <a:p>
+            <a:pPr algn="ctr">
+              <a:lnSpc>
+                <a:spcPts val="8000"/>
+              </a:lnSpc>
+            </a:pPr>
+            <a:r>
+              <a:rPr lang="en-US" b="true" sz="8000">
+                <a:solidFill>
+                  <a:srgbClr val="000000"/>
+                </a:solidFill>
+                <a:latin typeface="Cooper Hewitt Bold"/>
+                <a:ea typeface="Cooper Hewitt Bold"/>
+                <a:cs typeface="Cooper Hewitt Bold"/>
+                <a:sym typeface="Cooper Hewitt Bold"/>
+              </a:rPr>
+              <a:t>FASTER ALGORITHMS</a:t>
+            </a:r>
+          </a:p>
+        </p:txBody>
+      </p:sp>
+      <p:sp>
+        <p:nvSpPr>
+          <p:cNvPr name="TextBox 3" id="3"/>
+          <p:cNvSpPr txBox="true"/>
+          <p:nvPr/>
+        </p:nvSpPr>
+        <p:spPr>
+          <a:xfrm rot="0">
+            <a:off x="1358214" y="3240826"/>
+            <a:ext cx="15571571" cy="2089150"/>
+          </a:xfrm>
+          <a:prstGeom prst="rect">
+            <a:avLst/>
+          </a:prstGeom>
+        </p:spPr>
+        <p:txBody>
+          <a:bodyPr anchor="t" rtlCol="false" tIns="0" lIns="0" bIns="0" rIns="0">
+            <a:spAutoFit/>
+          </a:bodyPr>
+          <a:lstStyle/>
+          <a:p>
+            <a:pPr algn="l">
+              <a:lnSpc>
+                <a:spcPts val="5599"/>
+              </a:lnSpc>
+            </a:pPr>
+            <a:r>
+              <a:rPr lang="en-US" sz="3999" b="true">
+                <a:solidFill>
+                  <a:srgbClr val="000000"/>
+                </a:solidFill>
+                <a:latin typeface="Canva Sans Bold"/>
+                <a:ea typeface="Canva Sans Bold"/>
+                <a:cs typeface="Canva Sans Bold"/>
+                <a:sym typeface="Canva Sans Bold"/>
+              </a:rPr>
+              <a:t>Sudoku, being NP-complete, can be converted into other </a:t>
+            </a:r>
+          </a:p>
+          <a:p>
+            <a:pPr algn="l">
+              <a:lnSpc>
+                <a:spcPts val="5599"/>
+              </a:lnSpc>
+            </a:pPr>
+            <a:r>
+              <a:rPr lang="en-US" sz="3999" b="true">
+                <a:solidFill>
+                  <a:srgbClr val="000000"/>
+                </a:solidFill>
+                <a:latin typeface="Canva Sans Bold"/>
+                <a:ea typeface="Canva Sans Bold"/>
+                <a:cs typeface="Canva Sans Bold"/>
+                <a:sym typeface="Canva Sans Bold"/>
+              </a:rPr>
+              <a:t>NP-complete problems. Efficient algorithms that reduce the search space for these problems exist.</a:t>
+            </a:r>
+          </a:p>
+        </p:txBody>
+      </p:sp>
+      <p:sp>
+        <p:nvSpPr>
+          <p:cNvPr name="TextBox 4" id="4"/>
+          <p:cNvSpPr txBox="true"/>
+          <p:nvPr/>
+        </p:nvSpPr>
+        <p:spPr>
+          <a:xfrm rot="0">
+            <a:off x="1358214" y="5854907"/>
+            <a:ext cx="15571571" cy="2089150"/>
+          </a:xfrm>
+          <a:prstGeom prst="rect">
+            <a:avLst/>
+          </a:prstGeom>
+        </p:spPr>
+        <p:txBody>
+          <a:bodyPr anchor="t" rtlCol="false" tIns="0" lIns="0" bIns="0" rIns="0">
+            <a:spAutoFit/>
+          </a:bodyPr>
+          <a:lstStyle/>
+          <a:p>
+            <a:pPr algn="l">
+              <a:lnSpc>
+                <a:spcPts val="5599"/>
+              </a:lnSpc>
+            </a:pPr>
+            <a:r>
+              <a:rPr lang="en-US" sz="3999" b="true">
+                <a:solidFill>
+                  <a:srgbClr val="000000"/>
+                </a:solidFill>
+                <a:latin typeface="Canva Sans Bold"/>
+                <a:ea typeface="Canva Sans Bold"/>
+                <a:cs typeface="Canva Sans Bold"/>
+                <a:sym typeface="Canva Sans Bold"/>
+              </a:rPr>
+              <a:t>The exact cover problem is one such problem, and Donald Knuth’s ‘Algorithm X’ implemented using ‘Dancing Links’ is </a:t>
+            </a:r>
+          </a:p>
+          <a:p>
+            <a:pPr algn="l">
+              <a:lnSpc>
+                <a:spcPts val="5599"/>
+              </a:lnSpc>
+            </a:pPr>
+            <a:r>
+              <a:rPr lang="en-US" sz="3999" b="true">
+                <a:solidFill>
+                  <a:srgbClr val="000000"/>
+                </a:solidFill>
+                <a:latin typeface="Canva Sans Bold"/>
+                <a:ea typeface="Canva Sans Bold"/>
+                <a:cs typeface="Canva Sans Bold"/>
+                <a:sym typeface="Canva Sans Bold"/>
+              </a:rPr>
+              <a:t>a known efficient algorithm used to solve it.</a:t>
+            </a:r>
+          </a:p>
+        </p:txBody>
+      </p:sp>
+    </p:spTree>
+  </p:cSld>
+  <p:clrMapOvr>
+    <a:masterClrMapping/>
+  </p:clrMapOvr>
+</p:sld>
+</file>
+
 <file path=ppt/slides/slide7.xml><?xml version="1.0" encoding="utf-8"?>
 <p:sld xmlns:p="http://schemas.openxmlformats.org/presentationml/2006/main" xmlns:a="http://schemas.openxmlformats.org/drawingml/2006/main">
   <p:cSld>
@@ -7706,199 +7693,6 @@
         </p:nvSpPr>
         <p:spPr>
           <a:xfrm rot="0">
-            <a:off x="3946150" y="491334"/>
-            <a:ext cx="10717173" cy="1298576"/>
-          </a:xfrm>
-          <a:prstGeom prst="rect">
-            <a:avLst/>
-          </a:prstGeom>
-        </p:spPr>
-        <p:txBody>
-          <a:bodyPr anchor="t" rtlCol="false" tIns="0" lIns="0" bIns="0" rIns="0">
-            <a:spAutoFit/>
-          </a:bodyPr>
-          <a:lstStyle/>
-          <a:p>
-            <a:pPr algn="ctr">
-              <a:lnSpc>
-                <a:spcPts val="8000"/>
-              </a:lnSpc>
-            </a:pPr>
-            <a:r>
-              <a:rPr lang="en-US" b="true" sz="8000">
-                <a:solidFill>
-                  <a:srgbClr val="000000"/>
-                </a:solidFill>
-                <a:latin typeface="Cooper Hewitt Bold"/>
-                <a:ea typeface="Cooper Hewitt Bold"/>
-                <a:cs typeface="Cooper Hewitt Bold"/>
-                <a:sym typeface="Cooper Hewitt Bold"/>
-              </a:rPr>
-              <a:t>FASTER ALGORITHMS</a:t>
-            </a:r>
-          </a:p>
-        </p:txBody>
-      </p:sp>
-      <p:sp>
-        <p:nvSpPr>
-          <p:cNvPr name="TextBox 3" id="3"/>
-          <p:cNvSpPr txBox="true"/>
-          <p:nvPr/>
-        </p:nvSpPr>
-        <p:spPr>
-          <a:xfrm rot="0">
-            <a:off x="1358214" y="3240826"/>
-            <a:ext cx="15571571" cy="2089150"/>
-          </a:xfrm>
-          <a:prstGeom prst="rect">
-            <a:avLst/>
-          </a:prstGeom>
-        </p:spPr>
-        <p:txBody>
-          <a:bodyPr anchor="t" rtlCol="false" tIns="0" lIns="0" bIns="0" rIns="0">
-            <a:spAutoFit/>
-          </a:bodyPr>
-          <a:lstStyle/>
-          <a:p>
-            <a:pPr algn="l">
-              <a:lnSpc>
-                <a:spcPts val="5599"/>
-              </a:lnSpc>
-            </a:pPr>
-            <a:r>
-              <a:rPr lang="en-US" sz="3999" b="true">
-                <a:solidFill>
-                  <a:srgbClr val="000000"/>
-                </a:solidFill>
-                <a:latin typeface="Canva Sans Bold"/>
-                <a:ea typeface="Canva Sans Bold"/>
-                <a:cs typeface="Canva Sans Bold"/>
-                <a:sym typeface="Canva Sans Bold"/>
-              </a:rPr>
-              <a:t>Sudoku, being NP-complete, can be converted into other </a:t>
-            </a:r>
-          </a:p>
-          <a:p>
-            <a:pPr algn="l">
-              <a:lnSpc>
-                <a:spcPts val="5599"/>
-              </a:lnSpc>
-            </a:pPr>
-            <a:r>
-              <a:rPr lang="en-US" sz="3999" b="true">
-                <a:solidFill>
-                  <a:srgbClr val="000000"/>
-                </a:solidFill>
-                <a:latin typeface="Canva Sans Bold"/>
-                <a:ea typeface="Canva Sans Bold"/>
-                <a:cs typeface="Canva Sans Bold"/>
-                <a:sym typeface="Canva Sans Bold"/>
-              </a:rPr>
-              <a:t>NP-complete problems. Efficient algorithms that reduce the search space for these problems exist.</a:t>
-            </a:r>
-          </a:p>
-        </p:txBody>
-      </p:sp>
-      <p:sp>
-        <p:nvSpPr>
-          <p:cNvPr name="TextBox 4" id="4"/>
-          <p:cNvSpPr txBox="true"/>
-          <p:nvPr/>
-        </p:nvSpPr>
-        <p:spPr>
-          <a:xfrm rot="0">
-            <a:off x="1358214" y="5854907"/>
-            <a:ext cx="15571571" cy="2089150"/>
-          </a:xfrm>
-          <a:prstGeom prst="rect">
-            <a:avLst/>
-          </a:prstGeom>
-        </p:spPr>
-        <p:txBody>
-          <a:bodyPr anchor="t" rtlCol="false" tIns="0" lIns="0" bIns="0" rIns="0">
-            <a:spAutoFit/>
-          </a:bodyPr>
-          <a:lstStyle/>
-          <a:p>
-            <a:pPr algn="l">
-              <a:lnSpc>
-                <a:spcPts val="5599"/>
-              </a:lnSpc>
-            </a:pPr>
-            <a:r>
-              <a:rPr lang="en-US" sz="3999" b="true">
-                <a:solidFill>
-                  <a:srgbClr val="000000"/>
-                </a:solidFill>
-                <a:latin typeface="Canva Sans Bold"/>
-                <a:ea typeface="Canva Sans Bold"/>
-                <a:cs typeface="Canva Sans Bold"/>
-                <a:sym typeface="Canva Sans Bold"/>
-              </a:rPr>
-              <a:t>The exact cover problem is one such problem, and Donald Knuth’s ‘Algorithm X’ implemented using ‘Dancing Links’ is </a:t>
-            </a:r>
-          </a:p>
-          <a:p>
-            <a:pPr algn="l">
-              <a:lnSpc>
-                <a:spcPts val="5599"/>
-              </a:lnSpc>
-            </a:pPr>
-            <a:r>
-              <a:rPr lang="en-US" sz="3999" b="true">
-                <a:solidFill>
-                  <a:srgbClr val="000000"/>
-                </a:solidFill>
-                <a:latin typeface="Canva Sans Bold"/>
-                <a:ea typeface="Canva Sans Bold"/>
-                <a:cs typeface="Canva Sans Bold"/>
-                <a:sym typeface="Canva Sans Bold"/>
-              </a:rPr>
-              <a:t>a known efficient algorithm used to solve it.</a:t>
-            </a:r>
-          </a:p>
-        </p:txBody>
-      </p:sp>
-    </p:spTree>
-  </p:cSld>
-  <p:clrMapOvr>
-    <a:masterClrMapping/>
-  </p:clrMapOvr>
-</p:sld>
-</file>
-
-<file path=ppt/slides/slide8.xml><?xml version="1.0" encoding="utf-8"?>
-<p:sld xmlns:p="http://schemas.openxmlformats.org/presentationml/2006/main" xmlns:a="http://schemas.openxmlformats.org/drawingml/2006/main">
-  <p:cSld>
-    <p:bg>
-      <p:bgPr>
-        <a:solidFill>
-          <a:srgbClr val="FFF4EA"/>
-        </a:solidFill>
-      </p:bgPr>
-    </p:bg>
-    <p:spTree>
-      <p:nvGrpSpPr>
-        <p:cNvPr id="1" name=""/>
-        <p:cNvGrpSpPr/>
-        <p:nvPr/>
-      </p:nvGrpSpPr>
-      <p:grpSpPr>
-        <a:xfrm>
-          <a:off x="0" y="0"/>
-          <a:ext cx="0" cy="0"/>
-          <a:chOff x="0" y="0"/>
-          <a:chExt cx="0" cy="0"/>
-        </a:xfrm>
-      </p:grpSpPr>
-      <p:sp>
-        <p:nvSpPr>
-          <p:cNvPr name="TextBox 2" id="2"/>
-          <p:cNvSpPr txBox="true"/>
-          <p:nvPr/>
-        </p:nvSpPr>
-        <p:spPr>
-          <a:xfrm rot="0">
             <a:off x="1358214" y="4295767"/>
             <a:ext cx="15571571" cy="2794000"/>
           </a:xfrm>
@@ -7988,7 +7782,7 @@
 </p:sld>
 </file>
 
-<file path=ppt/slides/slide9.xml><?xml version="1.0" encoding="utf-8"?>
+<file path=ppt/slides/slide8.xml><?xml version="1.0" encoding="utf-8"?>
 <p:sld xmlns:p="http://schemas.openxmlformats.org/presentationml/2006/main" xmlns:a="http://schemas.openxmlformats.org/drawingml/2006/main" xmlns:r="http://schemas.openxmlformats.org/officeDocument/2006/relationships">
   <p:cSld>
     <p:bg>
@@ -8103,6 +7897,212 @@
             </a:stretch>
           </a:blipFill>
         </p:spPr>
+      </p:sp>
+    </p:spTree>
+  </p:cSld>
+  <p:clrMapOvr>
+    <a:masterClrMapping/>
+  </p:clrMapOvr>
+</p:sld>
+</file>
+
+<file path=ppt/slides/slide9.xml><?xml version="1.0" encoding="utf-8"?>
+<p:sld xmlns:p="http://schemas.openxmlformats.org/presentationml/2006/main" xmlns:a="http://schemas.openxmlformats.org/drawingml/2006/main" xmlns:r="http://schemas.openxmlformats.org/officeDocument/2006/relationships">
+  <p:cSld>
+    <p:bg>
+      <p:bgPr>
+        <a:solidFill>
+          <a:srgbClr val="FFF4EA"/>
+        </a:solidFill>
+      </p:bgPr>
+    </p:bg>
+    <p:spTree>
+      <p:nvGrpSpPr>
+        <p:cNvPr id="1" name=""/>
+        <p:cNvGrpSpPr/>
+        <p:nvPr/>
+      </p:nvGrpSpPr>
+      <p:grpSpPr>
+        <a:xfrm>
+          <a:off x="0" y="0"/>
+          <a:ext cx="0" cy="0"/>
+          <a:chOff x="0" y="0"/>
+          <a:chExt cx="0" cy="0"/>
+        </a:xfrm>
+      </p:grpSpPr>
+      <p:sp>
+        <p:nvSpPr>
+          <p:cNvPr name="Freeform 2" id="2"/>
+          <p:cNvSpPr/>
+          <p:nvPr/>
+        </p:nvSpPr>
+        <p:spPr>
+          <a:xfrm flipH="false" flipV="false" rot="0">
+            <a:off x="7455162" y="2786127"/>
+            <a:ext cx="9804138" cy="5389837"/>
+          </a:xfrm>
+          <a:custGeom>
+            <a:avLst/>
+            <a:gdLst/>
+            <a:ahLst/>
+            <a:cxnLst/>
+            <a:rect r="r" b="b" t="t" l="l"/>
+            <a:pathLst>
+              <a:path h="5389837" w="9804138">
+                <a:moveTo>
+                  <a:pt x="0" y="0"/>
+                </a:moveTo>
+                <a:lnTo>
+                  <a:pt x="9804138" y="0"/>
+                </a:lnTo>
+                <a:lnTo>
+                  <a:pt x="9804138" y="5389837"/>
+                </a:lnTo>
+                <a:lnTo>
+                  <a:pt x="0" y="5389837"/>
+                </a:lnTo>
+                <a:lnTo>
+                  <a:pt x="0" y="0"/>
+                </a:lnTo>
+                <a:close/>
+              </a:path>
+            </a:pathLst>
+          </a:custGeom>
+          <a:blipFill>
+            <a:blip r:embed="rId2"/>
+            <a:stretch>
+              <a:fillRect l="0" t="0" r="0" b="0"/>
+            </a:stretch>
+          </a:blipFill>
+        </p:spPr>
+      </p:sp>
+      <p:sp>
+        <p:nvSpPr>
+          <p:cNvPr name="Freeform 3" id="3"/>
+          <p:cNvSpPr/>
+          <p:nvPr/>
+        </p:nvSpPr>
+        <p:spPr>
+          <a:xfrm flipH="false" flipV="false" rot="0">
+            <a:off x="762799" y="3514801"/>
+            <a:ext cx="5671611" cy="3932490"/>
+          </a:xfrm>
+          <a:custGeom>
+            <a:avLst/>
+            <a:gdLst/>
+            <a:ahLst/>
+            <a:cxnLst/>
+            <a:rect r="r" b="b" t="t" l="l"/>
+            <a:pathLst>
+              <a:path h="3932490" w="5671611">
+                <a:moveTo>
+                  <a:pt x="0" y="0"/>
+                </a:moveTo>
+                <a:lnTo>
+                  <a:pt x="5671611" y="0"/>
+                </a:lnTo>
+                <a:lnTo>
+                  <a:pt x="5671611" y="3932490"/>
+                </a:lnTo>
+                <a:lnTo>
+                  <a:pt x="0" y="3932490"/>
+                </a:lnTo>
+                <a:lnTo>
+                  <a:pt x="0" y="0"/>
+                </a:lnTo>
+                <a:close/>
+              </a:path>
+            </a:pathLst>
+          </a:custGeom>
+          <a:blipFill>
+            <a:blip r:embed="rId3"/>
+            <a:stretch>
+              <a:fillRect l="0" t="0" r="0" b="0"/>
+            </a:stretch>
+          </a:blipFill>
+        </p:spPr>
+      </p:sp>
+      <p:sp>
+        <p:nvSpPr>
+          <p:cNvPr name="TextBox 4" id="4"/>
+          <p:cNvSpPr txBox="true"/>
+          <p:nvPr/>
+        </p:nvSpPr>
+        <p:spPr>
+          <a:xfrm rot="0">
+            <a:off x="297441" y="491334"/>
+            <a:ext cx="17990559" cy="1298576"/>
+          </a:xfrm>
+          <a:prstGeom prst="rect">
+            <a:avLst/>
+          </a:prstGeom>
+        </p:spPr>
+        <p:txBody>
+          <a:bodyPr anchor="t" rtlCol="false" tIns="0" lIns="0" bIns="0" rIns="0">
+            <a:spAutoFit/>
+          </a:bodyPr>
+          <a:lstStyle/>
+          <a:p>
+            <a:pPr algn="ctr">
+              <a:lnSpc>
+                <a:spcPts val="8000"/>
+              </a:lnSpc>
+            </a:pPr>
+            <a:r>
+              <a:rPr lang="en-US" b="true" sz="8000">
+                <a:solidFill>
+                  <a:srgbClr val="000000"/>
+                </a:solidFill>
+                <a:latin typeface="Cooper Hewitt Bold"/>
+                <a:ea typeface="Cooper Hewitt Bold"/>
+                <a:cs typeface="Cooper Hewitt Bold"/>
+                <a:sym typeface="Cooper Hewitt Bold"/>
+              </a:rPr>
+              <a:t>BINARY MATRIX REPRESENTATION</a:t>
+            </a:r>
+          </a:p>
+        </p:txBody>
+      </p:sp>
+      <p:sp>
+        <p:nvSpPr>
+          <p:cNvPr name="TextBox 5" id="5"/>
+          <p:cNvSpPr txBox="true"/>
+          <p:nvPr/>
+        </p:nvSpPr>
+        <p:spPr>
+          <a:xfrm rot="0">
+            <a:off x="15944767" y="1922791"/>
+            <a:ext cx="2222687" cy="1334832"/>
+          </a:xfrm>
+          <a:prstGeom prst="rect">
+            <a:avLst/>
+          </a:prstGeom>
+        </p:spPr>
+        <p:txBody>
+          <a:bodyPr anchor="t" rtlCol="false" tIns="0" lIns="0" bIns="0" rIns="0">
+            <a:spAutoFit/>
+          </a:bodyPr>
+          <a:lstStyle/>
+          <a:p>
+            <a:pPr algn="ctr">
+              <a:lnSpc>
+                <a:spcPts val="10995"/>
+              </a:lnSpc>
+            </a:pPr>
+            <a:r>
+              <a:rPr lang="en-US" sz="7853" b="true">
+                <a:solidFill>
+                  <a:srgbClr val="000000"/>
+                </a:solidFill>
+                <a:latin typeface="Canva Sans Bold"/>
+                <a:ea typeface="Canva Sans Bold"/>
+                <a:cs typeface="Canva Sans Bold"/>
+                <a:sym typeface="Canva Sans Bold"/>
+              </a:rPr>
+              <a:t>*</a:t>
+            </a:r>
+          </a:p>
+        </p:txBody>
       </p:sp>
     </p:spTree>
   </p:cSld>
